--- a/dros.analysis/dros.model.figure.pptx
+++ b/dros.analysis/dros.model.figure.pptx
@@ -104,6 +104,11 @@
       </a:defRPr>
     </a:lvl9pPr>
   </p:defaultTextStyle>
+  <p:extLst>
+    <p:ext uri="{EFAFB233-063F-42B5-8137-9DF3F51BA10A}">
+      <p15:sldGuideLst xmlns:p15="http://schemas.microsoft.com/office/powerpoint/2012/main"/>
+    </p:ext>
+  </p:extLst>
 </p:presentation>
 </file>
 
@@ -3323,10 +3328,10 @@
       </p:grpSpPr>
       <p:sp>
         <p:nvSpPr>
-          <p:cNvPr id="4" name="Rounded Rectangle 3">
-            <a:extLst>
-              <a:ext uri="{FF2B5EF4-FFF2-40B4-BE49-F238E27FC236}">
-                <a16:creationId xmlns:a16="http://schemas.microsoft.com/office/drawing/2014/main" id="{1E3298A7-B56E-4B4D-BF85-A4BA0AF2DAA5}"/>
+          <p:cNvPr id="22" name="Rounded Rectangle 21">
+            <a:extLst>
+              <a:ext uri="{FF2B5EF4-FFF2-40B4-BE49-F238E27FC236}">
+                <a16:creationId xmlns:a16="http://schemas.microsoft.com/office/drawing/2014/main" id="{CACC36E0-836D-3544-84CF-C5303CB02572}"/>
               </a:ext>
             </a:extLst>
           </p:cNvPr>
@@ -3335,8 +3340,97 @@
         </p:nvSpPr>
         <p:spPr>
           <a:xfrm>
-            <a:off x="4746661" y="1345915"/>
-            <a:ext cx="2167848" cy="1047964"/>
+            <a:off x="4746661" y="1182498"/>
+            <a:ext cx="2167848" cy="1218723"/>
+          </a:xfrm>
+          <a:prstGeom prst="roundRect">
+            <a:avLst/>
+          </a:prstGeom>
+          <a:solidFill>
+            <a:schemeClr val="bg1"/>
+          </a:solidFill>
+          <a:ln>
+            <a:solidFill>
+              <a:schemeClr val="tx1"/>
+            </a:solidFill>
+          </a:ln>
+        </p:spPr>
+        <p:style>
+          <a:lnRef idx="2">
+            <a:schemeClr val="accent1">
+              <a:shade val="50000"/>
+            </a:schemeClr>
+          </a:lnRef>
+          <a:fillRef idx="1">
+            <a:schemeClr val="accent1"/>
+          </a:fillRef>
+          <a:effectRef idx="0">
+            <a:schemeClr val="accent1"/>
+          </a:effectRef>
+          <a:fontRef idx="minor">
+            <a:schemeClr val="lt1"/>
+          </a:fontRef>
+        </p:style>
+        <p:txBody>
+          <a:bodyPr rtlCol="0" anchor="ctr"/>
+          <a:lstStyle/>
+          <a:p>
+            <a:pPr algn="ctr"/>
+            <a:endParaRPr lang="en-US"/>
+          </a:p>
+        </p:txBody>
+      </p:sp>
+      <p:sp>
+        <p:nvSpPr>
+          <p:cNvPr id="6" name="TextBox 5">
+            <a:extLst>
+              <a:ext uri="{FF2B5EF4-FFF2-40B4-BE49-F238E27FC236}">
+                <a16:creationId xmlns:a16="http://schemas.microsoft.com/office/drawing/2014/main" id="{CF3132F6-D875-AE4C-B5EC-08CBB7E6CBB6}"/>
+              </a:ext>
+            </a:extLst>
+          </p:cNvPr>
+          <p:cNvSpPr txBox="1"/>
+          <p:nvPr/>
+        </p:nvSpPr>
+        <p:spPr>
+          <a:xfrm>
+            <a:off x="5591652" y="1128925"/>
+            <a:ext cx="431528" cy="369332"/>
+          </a:xfrm>
+          <a:prstGeom prst="rect">
+            <a:avLst/>
+          </a:prstGeom>
+          <a:noFill/>
+        </p:spPr>
+        <p:txBody>
+          <a:bodyPr wrap="none" rtlCol="0">
+            <a:spAutoFit/>
+          </a:bodyPr>
+          <a:lstStyle/>
+          <a:p>
+            <a:r>
+              <a:rPr lang="en-US" b="1" dirty="0"/>
+              <a:t>XY</a:t>
+            </a:r>
+          </a:p>
+        </p:txBody>
+      </p:sp>
+      <p:sp>
+        <p:nvSpPr>
+          <p:cNvPr id="7" name="Rounded Rectangle 6">
+            <a:extLst>
+              <a:ext uri="{FF2B5EF4-FFF2-40B4-BE49-F238E27FC236}">
+                <a16:creationId xmlns:a16="http://schemas.microsoft.com/office/drawing/2014/main" id="{5660539E-9D7C-EC4B-BA19-EA28F7B3EE36}"/>
+              </a:ext>
+            </a:extLst>
+          </p:cNvPr>
+          <p:cNvSpPr/>
+          <p:nvPr/>
+        </p:nvSpPr>
+        <p:spPr>
+          <a:xfrm>
+            <a:off x="4746661" y="2905017"/>
+            <a:ext cx="2167848" cy="1218723"/>
           </a:xfrm>
           <a:prstGeom prst="roundRect">
             <a:avLst/>
@@ -3377,10 +3471,10 @@
         <mc:Choice xmlns:a14="http://schemas.microsoft.com/office/drawing/2010/main" Requires="a14">
           <p:sp>
             <p:nvSpPr>
-              <p:cNvPr id="5" name="TextBox 4">
+              <p:cNvPr id="8" name="TextBox 7">
                 <a:extLst>
                   <a:ext uri="{FF2B5EF4-FFF2-40B4-BE49-F238E27FC236}">
-                    <a16:creationId xmlns:a16="http://schemas.microsoft.com/office/drawing/2014/main" id="{C0570565-09D0-814C-98CF-75829FCE3F67}"/>
+                    <a16:creationId xmlns:a16="http://schemas.microsoft.com/office/drawing/2014/main" id="{A7F00499-6757-E443-9149-0CFFF79C614A}"/>
                   </a:ext>
                 </a:extLst>
               </p:cNvPr>
@@ -3389,8 +3483,8 @@
             </p:nvSpPr>
             <p:spPr>
               <a:xfrm>
-                <a:off x="4345969" y="2018180"/>
-                <a:ext cx="2928133" cy="369332"/>
+                <a:off x="4791920" y="3681450"/>
+                <a:ext cx="2066080" cy="369332"/>
               </a:xfrm>
               <a:prstGeom prst="rect">
                 <a:avLst/>
@@ -3403,220 +3497,7 @@
               </a:bodyPr>
               <a:lstStyle/>
               <a:p>
-                <a14:m>
-                  <m:oMathPara xmlns:m="http://schemas.openxmlformats.org/officeDocument/2006/math">
-                    <m:oMathParaPr>
-                      <m:jc m:val="centerGroup"/>
-                    </m:oMathParaPr>
-                    <m:oMath xmlns:m="http://schemas.openxmlformats.org/officeDocument/2006/math">
-                      <m:r>
-                        <a:rPr lang="en-US" b="0" i="1" smtClean="0">
-                          <a:latin typeface="Cambria Math" panose="02040503050406030204" pitchFamily="18" charset="0"/>
-                        </a:rPr>
-                        <m:t>𝑖</m:t>
-                      </m:r>
-                      <m:r>
-                        <a:rPr lang="en-US" b="0" i="1" smtClean="0">
-                          <a:latin typeface="Cambria Math" panose="02040503050406030204" pitchFamily="18" charset="0"/>
-                        </a:rPr>
-                        <m:t>−1        </m:t>
-                      </m:r>
-                      <m:r>
-                        <a:rPr lang="en-US" b="0" i="1" smtClean="0">
-                          <a:latin typeface="Cambria Math" panose="02040503050406030204" pitchFamily="18" charset="0"/>
-                        </a:rPr>
-                        <m:t>𝑖</m:t>
-                      </m:r>
-                      <m:r>
-                        <a:rPr lang="en-US" b="0" i="1" smtClean="0">
-                          <a:latin typeface="Cambria Math" panose="02040503050406030204" pitchFamily="18" charset="0"/>
-                        </a:rPr>
-                        <m:t>        </m:t>
-                      </m:r>
-                      <m:r>
-                        <a:rPr lang="en-US" b="0" i="1" smtClean="0">
-                          <a:latin typeface="Cambria Math" panose="02040503050406030204" pitchFamily="18" charset="0"/>
-                        </a:rPr>
-                        <m:t>𝑖</m:t>
-                      </m:r>
-                      <m:r>
-                        <a:rPr lang="en-US" b="0" i="1" smtClean="0">
-                          <a:latin typeface="Cambria Math" panose="02040503050406030204" pitchFamily="18" charset="0"/>
-                        </a:rPr>
-                        <m:t>+1</m:t>
-                      </m:r>
-                    </m:oMath>
-                  </m:oMathPara>
-                </a14:m>
-                <a:endParaRPr lang="en-US" i="1" dirty="0">
-                  <a:latin typeface="Garamond" panose="02020404030301010803" pitchFamily="18" charset="0"/>
-                </a:endParaRPr>
-              </a:p>
-            </p:txBody>
-          </p:sp>
-        </mc:Choice>
-        <mc:Fallback>
-          <p:sp>
-            <p:nvSpPr>
-              <p:cNvPr id="5" name="TextBox 4">
-                <a:extLst>
-                  <a:ext uri="{FF2B5EF4-FFF2-40B4-BE49-F238E27FC236}">
-                    <a16:creationId xmlns:a16="http://schemas.microsoft.com/office/drawing/2014/main" id="{C0570565-09D0-814C-98CF-75829FCE3F67}"/>
-                  </a:ext>
-                </a:extLst>
-              </p:cNvPr>
-              <p:cNvSpPr txBox="1">
-                <a:spLocks noRot="1" noChangeAspect="1" noMove="1" noResize="1" noEditPoints="1" noAdjustHandles="1" noChangeArrowheads="1" noChangeShapeType="1" noTextEdit="1"/>
-              </p:cNvSpPr>
-              <p:nvPr/>
-            </p:nvSpPr>
-            <p:spPr>
-              <a:xfrm>
-                <a:off x="4345969" y="2018180"/>
-                <a:ext cx="2928133" cy="369332"/>
-              </a:xfrm>
-              <a:prstGeom prst="rect">
-                <a:avLst/>
-              </a:prstGeom>
-              <a:blipFill>
-                <a:blip r:embed="rId2"/>
-                <a:stretch>
-                  <a:fillRect b="-13333"/>
-                </a:stretch>
-              </a:blipFill>
-            </p:spPr>
-            <p:txBody>
-              <a:bodyPr/>
-              <a:lstStyle/>
-              <a:p>
-                <a:r>
-                  <a:rPr lang="en-US">
-                    <a:noFill/>
-                  </a:rPr>
-                  <a:t> </a:t>
-                </a:r>
-              </a:p>
-            </p:txBody>
-          </p:sp>
-        </mc:Fallback>
-      </mc:AlternateContent>
-      <p:sp>
-        <p:nvSpPr>
-          <p:cNvPr id="6" name="TextBox 5">
-            <a:extLst>
-              <a:ext uri="{FF2B5EF4-FFF2-40B4-BE49-F238E27FC236}">
-                <a16:creationId xmlns:a16="http://schemas.microsoft.com/office/drawing/2014/main" id="{CF3132F6-D875-AE4C-B5EC-08CBB7E6CBB6}"/>
-              </a:ext>
-            </a:extLst>
-          </p:cNvPr>
-          <p:cNvSpPr txBox="1"/>
-          <p:nvPr/>
-        </p:nvSpPr>
-        <p:spPr>
-          <a:xfrm>
-            <a:off x="5591652" y="1296755"/>
-            <a:ext cx="431528" cy="369332"/>
-          </a:xfrm>
-          <a:prstGeom prst="rect">
-            <a:avLst/>
-          </a:prstGeom>
-          <a:noFill/>
-        </p:spPr>
-        <p:txBody>
-          <a:bodyPr wrap="none" rtlCol="0">
-            <a:spAutoFit/>
-          </a:bodyPr>
-          <a:lstStyle/>
-          <a:p>
-            <a:r>
-              <a:rPr lang="en-US" b="1" dirty="0"/>
-              <a:t>XY</a:t>
-            </a:r>
-          </a:p>
-        </p:txBody>
-      </p:sp>
-      <p:sp>
-        <p:nvSpPr>
-          <p:cNvPr id="7" name="Rounded Rectangle 6">
-            <a:extLst>
-              <a:ext uri="{FF2B5EF4-FFF2-40B4-BE49-F238E27FC236}">
-                <a16:creationId xmlns:a16="http://schemas.microsoft.com/office/drawing/2014/main" id="{5660539E-9D7C-EC4B-BA19-EA28F7B3EE36}"/>
-              </a:ext>
-            </a:extLst>
-          </p:cNvPr>
-          <p:cNvSpPr/>
-          <p:nvPr/>
-        </p:nvSpPr>
-        <p:spPr>
-          <a:xfrm>
-            <a:off x="4746661" y="2905018"/>
-            <a:ext cx="2167848" cy="1047964"/>
-          </a:xfrm>
-          <a:prstGeom prst="roundRect">
-            <a:avLst/>
-          </a:prstGeom>
-          <a:noFill/>
-          <a:ln>
-            <a:solidFill>
-              <a:schemeClr val="tx1"/>
-            </a:solidFill>
-          </a:ln>
-        </p:spPr>
-        <p:style>
-          <a:lnRef idx="2">
-            <a:schemeClr val="accent1">
-              <a:shade val="50000"/>
-            </a:schemeClr>
-          </a:lnRef>
-          <a:fillRef idx="1">
-            <a:schemeClr val="accent1"/>
-          </a:fillRef>
-          <a:effectRef idx="0">
-            <a:schemeClr val="accent1"/>
-          </a:effectRef>
-          <a:fontRef idx="minor">
-            <a:schemeClr val="lt1"/>
-          </a:fontRef>
-        </p:style>
-        <p:txBody>
-          <a:bodyPr rtlCol="0" anchor="ctr"/>
-          <a:lstStyle/>
-          <a:p>
-            <a:pPr algn="ctr"/>
-            <a:endParaRPr lang="en-US"/>
-          </a:p>
-        </p:txBody>
-      </p:sp>
-      <mc:AlternateContent xmlns:mc="http://schemas.openxmlformats.org/markup-compatibility/2006">
-        <mc:Choice xmlns:a14="http://schemas.microsoft.com/office/drawing/2010/main" Requires="a14">
-          <p:sp>
-            <p:nvSpPr>
-              <p:cNvPr id="8" name="TextBox 7">
-                <a:extLst>
-                  <a:ext uri="{FF2B5EF4-FFF2-40B4-BE49-F238E27FC236}">
-                    <a16:creationId xmlns:a16="http://schemas.microsoft.com/office/drawing/2014/main" id="{A7F00499-6757-E443-9149-0CFFF79C614A}"/>
-                  </a:ext>
-                </a:extLst>
-              </p:cNvPr>
-              <p:cNvSpPr txBox="1"/>
-              <p:nvPr/>
-            </p:nvSpPr>
-            <p:spPr>
-              <a:xfrm>
-                <a:off x="4345969" y="3577284"/>
-                <a:ext cx="2928133" cy="369332"/>
-              </a:xfrm>
-              <a:prstGeom prst="rect">
-                <a:avLst/>
-              </a:prstGeom>
-              <a:noFill/>
-            </p:spPr>
-            <p:txBody>
-              <a:bodyPr wrap="square" rtlCol="0">
-                <a:spAutoFit/>
-              </a:bodyPr>
-              <a:lstStyle/>
-              <a:p>
+                <a:pPr/>
                 <a14:m>
                   <m:oMathPara xmlns:m="http://schemas.openxmlformats.org/officeDocument/2006/math">
                     <m:oMathParaPr>
@@ -3686,14 +3567,14 @@
             </p:nvSpPr>
             <p:spPr>
               <a:xfrm>
-                <a:off x="4345969" y="3577284"/>
-                <a:ext cx="2928133" cy="369332"/>
+                <a:off x="4791920" y="3681450"/>
+                <a:ext cx="2066080" cy="369332"/>
               </a:xfrm>
               <a:prstGeom prst="rect">
                 <a:avLst/>
               </a:prstGeom>
               <a:blipFill>
-                <a:blip r:embed="rId3"/>
+                <a:blip r:embed="rId2"/>
                 <a:stretch>
                   <a:fillRect b="-13333"/>
                 </a:stretch>
@@ -3728,7 +3609,7 @@
         </p:nvSpPr>
         <p:spPr>
           <a:xfrm>
-            <a:off x="5421947" y="2875427"/>
+            <a:off x="5421947" y="2823344"/>
             <a:ext cx="793807" cy="369332"/>
           </a:xfrm>
           <a:prstGeom prst="rect">
@@ -3743,19 +3624,18 @@
           <a:lstStyle/>
           <a:p>
             <a:r>
-              <a:rPr lang="en-US" b="1" dirty="0" err="1"/>
+              <a:rPr lang="en-US" b="1" dirty="0"/>
               <a:t>neoXY</a:t>
             </a:r>
-            <a:endParaRPr lang="en-US" b="1" dirty="0"/>
-          </a:p>
-        </p:txBody>
-      </p:sp>
-      <p:sp>
-        <p:nvSpPr>
-          <p:cNvPr id="10" name="Freeform 9">
-            <a:extLst>
-              <a:ext uri="{FF2B5EF4-FFF2-40B4-BE49-F238E27FC236}">
-                <a16:creationId xmlns:a16="http://schemas.microsoft.com/office/drawing/2014/main" id="{A377EED0-E5F3-D144-BFE3-E2A6E312795D}"/>
+          </a:p>
+        </p:txBody>
+      </p:sp>
+      <p:sp>
+        <p:nvSpPr>
+          <p:cNvPr id="12" name="Freeform 11">
+            <a:extLst>
+              <a:ext uri="{FF2B5EF4-FFF2-40B4-BE49-F238E27FC236}">
+                <a16:creationId xmlns:a16="http://schemas.microsoft.com/office/drawing/2014/main" id="{89CD9351-2EC2-5A49-BB01-61A9E056769B}"/>
               </a:ext>
             </a:extLst>
           </p:cNvPr>
@@ -3764,8 +3644,8 @@
         </p:nvSpPr>
         <p:spPr>
           <a:xfrm>
-            <a:off x="5870646" y="1714111"/>
-            <a:ext cx="595901" cy="329003"/>
+            <a:off x="5829802" y="3304415"/>
+            <a:ext cx="636412" cy="398595"/>
           </a:xfrm>
           <a:custGeom>
             <a:avLst/>
@@ -3778,6 +3658,22 @@
               <a:gd name="connsiteY2" fmla="*/ 329003 h 329003"/>
               <a:gd name="connsiteX3" fmla="*/ 595901 w 595901"/>
               <a:gd name="connsiteY3" fmla="*/ 329003 h 329003"/>
+              <a:gd name="connsiteX0" fmla="*/ 0 w 642199"/>
+              <a:gd name="connsiteY0" fmla="*/ 283083 h 329067"/>
+              <a:gd name="connsiteX1" fmla="*/ 333974 w 642199"/>
+              <a:gd name="connsiteY1" fmla="*/ 294 h 329067"/>
+              <a:gd name="connsiteX2" fmla="*/ 642199 w 642199"/>
+              <a:gd name="connsiteY2" fmla="*/ 329067 h 329067"/>
+              <a:gd name="connsiteX3" fmla="*/ 642199 w 642199"/>
+              <a:gd name="connsiteY3" fmla="*/ 329067 h 329067"/>
+              <a:gd name="connsiteX0" fmla="*/ 0 w 636412"/>
+              <a:gd name="connsiteY0" fmla="*/ 336542 h 336543"/>
+              <a:gd name="connsiteX1" fmla="*/ 328187 w 636412"/>
+              <a:gd name="connsiteY1" fmla="*/ 4 h 336543"/>
+              <a:gd name="connsiteX2" fmla="*/ 636412 w 636412"/>
+              <a:gd name="connsiteY2" fmla="*/ 328777 h 336543"/>
+              <a:gd name="connsiteX3" fmla="*/ 636412 w 636412"/>
+              <a:gd name="connsiteY3" fmla="*/ 328777 h 336543"/>
             </a:gdLst>
             <a:ahLst/>
             <a:cxnLst>
@@ -3796,22 +3692,22 @@
             </a:cxnLst>
             <a:rect l="l" t="t" r="r" b="b"/>
             <a:pathLst>
-              <a:path w="595901" h="329003">
+              <a:path w="636412" h="336543">
                 <a:moveTo>
-                  <a:pt x="0" y="287906"/>
+                  <a:pt x="0" y="336542"/>
                 </a:moveTo>
                 <a:cubicBezTo>
-                  <a:pt x="94179" y="140643"/>
-                  <a:pt x="188359" y="-6620"/>
-                  <a:pt x="287676" y="230"/>
+                  <a:pt x="94179" y="189279"/>
+                  <a:pt x="222118" y="1298"/>
+                  <a:pt x="328187" y="4"/>
                 </a:cubicBezTo>
                 <a:cubicBezTo>
-                  <a:pt x="386993" y="7079"/>
-                  <a:pt x="595901" y="329003"/>
-                  <a:pt x="595901" y="329003"/>
+                  <a:pt x="434256" y="-1290"/>
+                  <a:pt x="636412" y="328777"/>
+                  <a:pt x="636412" y="328777"/>
                 </a:cubicBezTo>
                 <a:lnTo>
-                  <a:pt x="595901" y="329003"/>
+                  <a:pt x="636412" y="328777"/>
                 </a:lnTo>
               </a:path>
             </a:pathLst>
@@ -3845,403 +3741,10 @@
           <a:lstStyle/>
           <a:p>
             <a:pPr algn="ctr"/>
-            <a:endParaRPr lang="en-US"/>
-          </a:p>
-        </p:txBody>
-      </p:sp>
-      <p:sp>
-        <p:nvSpPr>
-          <p:cNvPr id="11" name="Freeform 10">
-            <a:extLst>
-              <a:ext uri="{FF2B5EF4-FFF2-40B4-BE49-F238E27FC236}">
-                <a16:creationId xmlns:a16="http://schemas.microsoft.com/office/drawing/2014/main" id="{E6BFED74-B016-F941-9D21-1E0FDAE5892A}"/>
-              </a:ext>
-            </a:extLst>
-          </p:cNvPr>
-          <p:cNvSpPr/>
-          <p:nvPr/>
-        </p:nvSpPr>
-        <p:spPr>
-          <a:xfrm flipH="1">
-            <a:off x="5178173" y="1699028"/>
-            <a:ext cx="595901" cy="329003"/>
-          </a:xfrm>
-          <a:custGeom>
-            <a:avLst/>
-            <a:gdLst>
-              <a:gd name="connsiteX0" fmla="*/ 0 w 595901"/>
-              <a:gd name="connsiteY0" fmla="*/ 287906 h 329003"/>
-              <a:gd name="connsiteX1" fmla="*/ 287676 w 595901"/>
-              <a:gd name="connsiteY1" fmla="*/ 230 h 329003"/>
-              <a:gd name="connsiteX2" fmla="*/ 595901 w 595901"/>
-              <a:gd name="connsiteY2" fmla="*/ 329003 h 329003"/>
-              <a:gd name="connsiteX3" fmla="*/ 595901 w 595901"/>
-              <a:gd name="connsiteY3" fmla="*/ 329003 h 329003"/>
-            </a:gdLst>
-            <a:ahLst/>
-            <a:cxnLst>
-              <a:cxn ang="0">
-                <a:pos x="connsiteX0" y="connsiteY0"/>
-              </a:cxn>
-              <a:cxn ang="0">
-                <a:pos x="connsiteX1" y="connsiteY1"/>
-              </a:cxn>
-              <a:cxn ang="0">
-                <a:pos x="connsiteX2" y="connsiteY2"/>
-              </a:cxn>
-              <a:cxn ang="0">
-                <a:pos x="connsiteX3" y="connsiteY3"/>
-              </a:cxn>
-            </a:cxnLst>
-            <a:rect l="l" t="t" r="r" b="b"/>
-            <a:pathLst>
-              <a:path w="595901" h="329003">
-                <a:moveTo>
-                  <a:pt x="0" y="287906"/>
-                </a:moveTo>
-                <a:cubicBezTo>
-                  <a:pt x="94179" y="140643"/>
-                  <a:pt x="188359" y="-6620"/>
-                  <a:pt x="287676" y="230"/>
-                </a:cubicBezTo>
-                <a:cubicBezTo>
-                  <a:pt x="386993" y="7079"/>
-                  <a:pt x="595901" y="329003"/>
-                  <a:pt x="595901" y="329003"/>
-                </a:cubicBezTo>
-                <a:lnTo>
-                  <a:pt x="595901" y="329003"/>
-                </a:lnTo>
-              </a:path>
-            </a:pathLst>
-          </a:custGeom>
-          <a:noFill/>
-          <a:ln w="19050">
-            <a:solidFill>
-              <a:schemeClr val="tx1"/>
-            </a:solidFill>
-            <a:tailEnd type="triangle"/>
-          </a:ln>
-        </p:spPr>
-        <p:style>
-          <a:lnRef idx="2">
-            <a:schemeClr val="accent1">
-              <a:shade val="50000"/>
-            </a:schemeClr>
-          </a:lnRef>
-          <a:fillRef idx="1">
-            <a:schemeClr val="accent1"/>
-          </a:fillRef>
-          <a:effectRef idx="0">
-            <a:schemeClr val="accent1"/>
-          </a:effectRef>
-          <a:fontRef idx="minor">
-            <a:schemeClr val="lt1"/>
-          </a:fontRef>
-        </p:style>
-        <p:txBody>
-          <a:bodyPr rtlCol="0" anchor="ctr"/>
-          <a:lstStyle/>
-          <a:p>
-            <a:pPr algn="ctr"/>
-            <a:endParaRPr lang="en-US"/>
-          </a:p>
-        </p:txBody>
-      </p:sp>
-      <p:sp>
-        <p:nvSpPr>
-          <p:cNvPr id="12" name="Freeform 11">
-            <a:extLst>
-              <a:ext uri="{FF2B5EF4-FFF2-40B4-BE49-F238E27FC236}">
-                <a16:creationId xmlns:a16="http://schemas.microsoft.com/office/drawing/2014/main" id="{89CD9351-2EC2-5A49-BB01-61A9E056769B}"/>
-              </a:ext>
-            </a:extLst>
-          </p:cNvPr>
-          <p:cNvSpPr/>
-          <p:nvPr/>
-        </p:nvSpPr>
-        <p:spPr>
-          <a:xfrm>
-            <a:off x="5858955" y="3332785"/>
-            <a:ext cx="595901" cy="329003"/>
-          </a:xfrm>
-          <a:custGeom>
-            <a:avLst/>
-            <a:gdLst>
-              <a:gd name="connsiteX0" fmla="*/ 0 w 595901"/>
-              <a:gd name="connsiteY0" fmla="*/ 287906 h 329003"/>
-              <a:gd name="connsiteX1" fmla="*/ 287676 w 595901"/>
-              <a:gd name="connsiteY1" fmla="*/ 230 h 329003"/>
-              <a:gd name="connsiteX2" fmla="*/ 595901 w 595901"/>
-              <a:gd name="connsiteY2" fmla="*/ 329003 h 329003"/>
-              <a:gd name="connsiteX3" fmla="*/ 595901 w 595901"/>
-              <a:gd name="connsiteY3" fmla="*/ 329003 h 329003"/>
-            </a:gdLst>
-            <a:ahLst/>
-            <a:cxnLst>
-              <a:cxn ang="0">
-                <a:pos x="connsiteX0" y="connsiteY0"/>
-              </a:cxn>
-              <a:cxn ang="0">
-                <a:pos x="connsiteX1" y="connsiteY1"/>
-              </a:cxn>
-              <a:cxn ang="0">
-                <a:pos x="connsiteX2" y="connsiteY2"/>
-              </a:cxn>
-              <a:cxn ang="0">
-                <a:pos x="connsiteX3" y="connsiteY3"/>
-              </a:cxn>
-            </a:cxnLst>
-            <a:rect l="l" t="t" r="r" b="b"/>
-            <a:pathLst>
-              <a:path w="595901" h="329003">
-                <a:moveTo>
-                  <a:pt x="0" y="287906"/>
-                </a:moveTo>
-                <a:cubicBezTo>
-                  <a:pt x="94179" y="140643"/>
-                  <a:pt x="188359" y="-6620"/>
-                  <a:pt x="287676" y="230"/>
-                </a:cubicBezTo>
-                <a:cubicBezTo>
-                  <a:pt x="386993" y="7079"/>
-                  <a:pt x="595901" y="329003"/>
-                  <a:pt x="595901" y="329003"/>
-                </a:cubicBezTo>
-                <a:lnTo>
-                  <a:pt x="595901" y="329003"/>
-                </a:lnTo>
-              </a:path>
-            </a:pathLst>
-          </a:custGeom>
-          <a:noFill/>
-          <a:ln w="19050">
-            <a:solidFill>
-              <a:schemeClr val="tx1"/>
-            </a:solidFill>
-            <a:tailEnd type="triangle"/>
-          </a:ln>
-        </p:spPr>
-        <p:style>
-          <a:lnRef idx="2">
-            <a:schemeClr val="accent1">
-              <a:shade val="50000"/>
-            </a:schemeClr>
-          </a:lnRef>
-          <a:fillRef idx="1">
-            <a:schemeClr val="accent1"/>
-          </a:fillRef>
-          <a:effectRef idx="0">
-            <a:schemeClr val="accent1"/>
-          </a:effectRef>
-          <a:fontRef idx="minor">
-            <a:schemeClr val="lt1"/>
-          </a:fontRef>
-        </p:style>
-        <p:txBody>
-          <a:bodyPr rtlCol="0" anchor="ctr"/>
-          <a:lstStyle/>
-          <a:p>
-            <a:pPr algn="ctr"/>
-            <a:endParaRPr lang="en-US"/>
-          </a:p>
-        </p:txBody>
-      </p:sp>
-      <p:sp>
-        <p:nvSpPr>
-          <p:cNvPr id="13" name="Freeform 12">
-            <a:extLst>
-              <a:ext uri="{FF2B5EF4-FFF2-40B4-BE49-F238E27FC236}">
-                <a16:creationId xmlns:a16="http://schemas.microsoft.com/office/drawing/2014/main" id="{E1E74EC9-B928-E848-B374-5C5957116A96}"/>
-              </a:ext>
-            </a:extLst>
-          </p:cNvPr>
-          <p:cNvSpPr/>
-          <p:nvPr/>
-        </p:nvSpPr>
-        <p:spPr>
-          <a:xfrm flipH="1">
-            <a:off x="5330408" y="3317702"/>
-            <a:ext cx="427236" cy="329003"/>
-          </a:xfrm>
-          <a:custGeom>
-            <a:avLst/>
-            <a:gdLst>
-              <a:gd name="connsiteX0" fmla="*/ 0 w 595901"/>
-              <a:gd name="connsiteY0" fmla="*/ 287906 h 329003"/>
-              <a:gd name="connsiteX1" fmla="*/ 287676 w 595901"/>
-              <a:gd name="connsiteY1" fmla="*/ 230 h 329003"/>
-              <a:gd name="connsiteX2" fmla="*/ 595901 w 595901"/>
-              <a:gd name="connsiteY2" fmla="*/ 329003 h 329003"/>
-              <a:gd name="connsiteX3" fmla="*/ 595901 w 595901"/>
-              <a:gd name="connsiteY3" fmla="*/ 329003 h 329003"/>
-            </a:gdLst>
-            <a:ahLst/>
-            <a:cxnLst>
-              <a:cxn ang="0">
-                <a:pos x="connsiteX0" y="connsiteY0"/>
-              </a:cxn>
-              <a:cxn ang="0">
-                <a:pos x="connsiteX1" y="connsiteY1"/>
-              </a:cxn>
-              <a:cxn ang="0">
-                <a:pos x="connsiteX2" y="connsiteY2"/>
-              </a:cxn>
-              <a:cxn ang="0">
-                <a:pos x="connsiteX3" y="connsiteY3"/>
-              </a:cxn>
-            </a:cxnLst>
-            <a:rect l="l" t="t" r="r" b="b"/>
-            <a:pathLst>
-              <a:path w="595901" h="329003">
-                <a:moveTo>
-                  <a:pt x="0" y="287906"/>
-                </a:moveTo>
-                <a:cubicBezTo>
-                  <a:pt x="94179" y="140643"/>
-                  <a:pt x="188359" y="-6620"/>
-                  <a:pt x="287676" y="230"/>
-                </a:cubicBezTo>
-                <a:cubicBezTo>
-                  <a:pt x="386993" y="7079"/>
-                  <a:pt x="595901" y="329003"/>
-                  <a:pt x="595901" y="329003"/>
-                </a:cubicBezTo>
-                <a:lnTo>
-                  <a:pt x="595901" y="329003"/>
-                </a:lnTo>
-              </a:path>
-            </a:pathLst>
-          </a:custGeom>
-          <a:noFill/>
-          <a:ln w="19050">
-            <a:solidFill>
-              <a:schemeClr val="tx1"/>
-            </a:solidFill>
-            <a:tailEnd type="triangle"/>
-          </a:ln>
-        </p:spPr>
-        <p:style>
-          <a:lnRef idx="2">
-            <a:schemeClr val="accent1">
-              <a:shade val="50000"/>
-            </a:schemeClr>
-          </a:lnRef>
-          <a:fillRef idx="1">
-            <a:schemeClr val="accent1"/>
-          </a:fillRef>
-          <a:effectRef idx="0">
-            <a:schemeClr val="accent1"/>
-          </a:effectRef>
-          <a:fontRef idx="minor">
-            <a:schemeClr val="lt1"/>
-          </a:fontRef>
-        </p:style>
-        <p:txBody>
-          <a:bodyPr rtlCol="0" anchor="ctr"/>
-          <a:lstStyle/>
-          <a:p>
-            <a:pPr algn="ctr"/>
-            <a:endParaRPr lang="en-US"/>
-          </a:p>
-        </p:txBody>
-      </p:sp>
-      <mc:AlternateContent xmlns:mc="http://schemas.openxmlformats.org/markup-compatibility/2006">
-        <mc:Choice xmlns:a14="http://schemas.microsoft.com/office/drawing/2010/main" Requires="a14">
-          <p:sp>
-            <p:nvSpPr>
-              <p:cNvPr id="14" name="TextBox 13">
-                <a:extLst>
-                  <a:ext uri="{FF2B5EF4-FFF2-40B4-BE49-F238E27FC236}">
-                    <a16:creationId xmlns:a16="http://schemas.microsoft.com/office/drawing/2014/main" id="{D8CB14C6-847F-1E4E-833C-C199A25E5650}"/>
-                  </a:ext>
-                </a:extLst>
-              </p:cNvPr>
-              <p:cNvSpPr txBox="1"/>
-              <p:nvPr/>
-            </p:nvSpPr>
-            <p:spPr>
-              <a:xfrm>
-                <a:off x="5421947" y="1723381"/>
-                <a:ext cx="185371" cy="276999"/>
-              </a:xfrm>
-              <a:prstGeom prst="rect">
-                <a:avLst/>
-              </a:prstGeom>
-              <a:noFill/>
-            </p:spPr>
-            <p:txBody>
-              <a:bodyPr wrap="none" lIns="0" tIns="0" rIns="0" bIns="0" rtlCol="0">
-                <a:spAutoFit/>
-              </a:bodyPr>
-              <a:lstStyle/>
-              <a:p>
-                <a14:m>
-                  <m:oMathPara xmlns:m="http://schemas.openxmlformats.org/officeDocument/2006/math">
-                    <m:oMathParaPr>
-                      <m:jc m:val="centerGroup"/>
-                    </m:oMathParaPr>
-                    <m:oMath xmlns:m="http://schemas.openxmlformats.org/officeDocument/2006/math">
-                      <m:r>
-                        <a:rPr lang="en-US" i="1" smtClean="0">
-                          <a:latin typeface="Cambria Math" panose="02040503050406030204" pitchFamily="18" charset="0"/>
-                          <a:ea typeface="Cambria Math" panose="02040503050406030204" pitchFamily="18" charset="0"/>
-                        </a:rPr>
-                        <m:t>𝛿</m:t>
-                      </m:r>
-                    </m:oMath>
-                  </m:oMathPara>
-                </a14:m>
-                <a:endParaRPr lang="en-US" dirty="0"/>
-              </a:p>
-            </p:txBody>
-          </p:sp>
-        </mc:Choice>
-        <mc:Fallback>
-          <p:sp>
-            <p:nvSpPr>
-              <p:cNvPr id="14" name="TextBox 13">
-                <a:extLst>
-                  <a:ext uri="{FF2B5EF4-FFF2-40B4-BE49-F238E27FC236}">
-                    <a16:creationId xmlns:a16="http://schemas.microsoft.com/office/drawing/2014/main" id="{D8CB14C6-847F-1E4E-833C-C199A25E5650}"/>
-                  </a:ext>
-                </a:extLst>
-              </p:cNvPr>
-              <p:cNvSpPr txBox="1">
-                <a:spLocks noRot="1" noChangeAspect="1" noMove="1" noResize="1" noEditPoints="1" noAdjustHandles="1" noChangeArrowheads="1" noChangeShapeType="1" noTextEdit="1"/>
-              </p:cNvSpPr>
-              <p:nvPr/>
-            </p:nvSpPr>
-            <p:spPr>
-              <a:xfrm>
-                <a:off x="5421947" y="1723381"/>
-                <a:ext cx="185371" cy="276999"/>
-              </a:xfrm>
-              <a:prstGeom prst="rect">
-                <a:avLst/>
-              </a:prstGeom>
-              <a:blipFill>
-                <a:blip r:embed="rId4"/>
-                <a:stretch>
-                  <a:fillRect l="-25000" r="-18750" b="-4348"/>
-                </a:stretch>
-              </a:blipFill>
-            </p:spPr>
-            <p:txBody>
-              <a:bodyPr/>
-              <a:lstStyle/>
-              <a:p>
-                <a:r>
-                  <a:rPr lang="en-US">
-                    <a:noFill/>
-                  </a:rPr>
-                  <a:t> </a:t>
-                </a:r>
-              </a:p>
-            </p:txBody>
-          </p:sp>
-        </mc:Fallback>
-      </mc:AlternateContent>
+            <a:endParaRPr lang="en-US" dirty="0"/>
+          </a:p>
+        </p:txBody>
+      </p:sp>
       <mc:AlternateContent xmlns:mc="http://schemas.openxmlformats.org/markup-compatibility/2006">
         <mc:Choice xmlns:a14="http://schemas.microsoft.com/office/drawing/2010/main" Requires="a14">
           <p:sp>
@@ -4258,20 +3761,23 @@
             </p:nvSpPr>
             <p:spPr>
               <a:xfrm>
-                <a:off x="5460568" y="3332785"/>
-                <a:ext cx="185371" cy="276999"/>
+                <a:off x="5189568" y="3263570"/>
+                <a:ext cx="121884" cy="276999"/>
               </a:xfrm>
               <a:prstGeom prst="rect">
                 <a:avLst/>
               </a:prstGeom>
-              <a:noFill/>
+              <a:solidFill>
+                <a:schemeClr val="bg1"/>
+              </a:solidFill>
             </p:spPr>
             <p:txBody>
-              <a:bodyPr wrap="none" lIns="0" tIns="0" rIns="0" bIns="0" rtlCol="0">
+              <a:bodyPr wrap="square" lIns="0" tIns="0" rIns="0" bIns="0" rtlCol="0">
                 <a:spAutoFit/>
               </a:bodyPr>
               <a:lstStyle/>
               <a:p>
+                <a:pPr/>
                 <a14:m>
                   <m:oMathPara xmlns:m="http://schemas.openxmlformats.org/officeDocument/2006/math">
                     <m:oMathParaPr>
@@ -4310,16 +3816,16 @@
             </p:nvSpPr>
             <p:spPr>
               <a:xfrm>
-                <a:off x="5460568" y="3332785"/>
-                <a:ext cx="185371" cy="276999"/>
+                <a:off x="5189568" y="3263570"/>
+                <a:ext cx="121884" cy="276999"/>
               </a:xfrm>
               <a:prstGeom prst="rect">
                 <a:avLst/>
               </a:prstGeom>
               <a:blipFill>
-                <a:blip r:embed="rId5"/>
+                <a:blip r:embed="rId3"/>
                 <a:stretch>
-                  <a:fillRect l="-25000" r="-18750" b="-8696"/>
+                  <a:fillRect l="-70000" r="-60000" b="-4348"/>
                 </a:stretch>
               </a:blipFill>
             </p:spPr>
@@ -4354,20 +3860,23 @@
             </p:nvSpPr>
             <p:spPr>
               <a:xfrm>
-                <a:off x="6050691" y="3308994"/>
-                <a:ext cx="180947" cy="276999"/>
+                <a:off x="6389059" y="3219328"/>
+                <a:ext cx="154309" cy="276999"/>
               </a:xfrm>
               <a:prstGeom prst="rect">
                 <a:avLst/>
               </a:prstGeom>
-              <a:noFill/>
+              <a:solidFill>
+                <a:schemeClr val="bg1"/>
+              </a:solidFill>
             </p:spPr>
             <p:txBody>
-              <a:bodyPr wrap="none" lIns="0" tIns="0" rIns="0" bIns="0" rtlCol="0">
+              <a:bodyPr wrap="square" lIns="0" tIns="0" rIns="0" bIns="0" rtlCol="0">
                 <a:spAutoFit/>
               </a:bodyPr>
               <a:lstStyle/>
               <a:p>
+                <a:pPr/>
                 <a14:m>
                   <m:oMathPara xmlns:m="http://schemas.openxmlformats.org/officeDocument/2006/math">
                     <m:oMathParaPr>
@@ -4406,16 +3915,16 @@
             </p:nvSpPr>
             <p:spPr>
               <a:xfrm>
-                <a:off x="6050691" y="3308994"/>
-                <a:ext cx="180947" cy="276999"/>
+                <a:off x="6389059" y="3219328"/>
+                <a:ext cx="154309" cy="276999"/>
               </a:xfrm>
               <a:prstGeom prst="rect">
                 <a:avLst/>
               </a:prstGeom>
               <a:blipFill>
-                <a:blip r:embed="rId6"/>
+                <a:blip r:embed="rId4"/>
                 <a:stretch>
-                  <a:fillRect l="-25000" r="-18750" b="-27273"/>
+                  <a:fillRect l="-38462" r="-38462" b="-26087"/>
                 </a:stretch>
               </a:blipFill>
             </p:spPr>
@@ -4434,146 +3943,6 @@
           </p:sp>
         </mc:Fallback>
       </mc:AlternateContent>
-      <mc:AlternateContent xmlns:mc="http://schemas.openxmlformats.org/markup-compatibility/2006">
-        <mc:Choice xmlns:a14="http://schemas.microsoft.com/office/drawing/2010/main" Requires="a14">
-          <p:sp>
-            <p:nvSpPr>
-              <p:cNvPr id="17" name="TextBox 16">
-                <a:extLst>
-                  <a:ext uri="{FF2B5EF4-FFF2-40B4-BE49-F238E27FC236}">
-                    <a16:creationId xmlns:a16="http://schemas.microsoft.com/office/drawing/2014/main" id="{2B23C492-8C85-004F-A773-123AF06D023D}"/>
-                  </a:ext>
-                </a:extLst>
-              </p:cNvPr>
-              <p:cNvSpPr txBox="1"/>
-              <p:nvPr/>
-            </p:nvSpPr>
-            <p:spPr>
-              <a:xfrm>
-                <a:off x="6066431" y="1710270"/>
-                <a:ext cx="180947" cy="276999"/>
-              </a:xfrm>
-              <a:prstGeom prst="rect">
-                <a:avLst/>
-              </a:prstGeom>
-              <a:noFill/>
-            </p:spPr>
-            <p:txBody>
-              <a:bodyPr wrap="none" lIns="0" tIns="0" rIns="0" bIns="0" rtlCol="0">
-                <a:spAutoFit/>
-              </a:bodyPr>
-              <a:lstStyle/>
-              <a:p>
-                <a14:m>
-                  <m:oMathPara xmlns:m="http://schemas.openxmlformats.org/officeDocument/2006/math">
-                    <m:oMathParaPr>
-                      <m:jc m:val="centerGroup"/>
-                    </m:oMathParaPr>
-                    <m:oMath xmlns:m="http://schemas.openxmlformats.org/officeDocument/2006/math">
-                      <m:r>
-                        <a:rPr lang="en-US" i="1" smtClean="0">
-                          <a:latin typeface="Cambria Math" panose="02040503050406030204" pitchFamily="18" charset="0"/>
-                          <a:ea typeface="Cambria Math" panose="02040503050406030204" pitchFamily="18" charset="0"/>
-                        </a:rPr>
-                        <m:t>𝛾</m:t>
-                      </m:r>
-                    </m:oMath>
-                  </m:oMathPara>
-                </a14:m>
-                <a:endParaRPr lang="en-US" dirty="0"/>
-              </a:p>
-            </p:txBody>
-          </p:sp>
-        </mc:Choice>
-        <mc:Fallback>
-          <p:sp>
-            <p:nvSpPr>
-              <p:cNvPr id="17" name="TextBox 16">
-                <a:extLst>
-                  <a:ext uri="{FF2B5EF4-FFF2-40B4-BE49-F238E27FC236}">
-                    <a16:creationId xmlns:a16="http://schemas.microsoft.com/office/drawing/2014/main" id="{2B23C492-8C85-004F-A773-123AF06D023D}"/>
-                  </a:ext>
-                </a:extLst>
-              </p:cNvPr>
-              <p:cNvSpPr txBox="1">
-                <a:spLocks noRot="1" noChangeAspect="1" noMove="1" noResize="1" noEditPoints="1" noAdjustHandles="1" noChangeArrowheads="1" noChangeShapeType="1" noTextEdit="1"/>
-              </p:cNvSpPr>
-              <p:nvPr/>
-            </p:nvSpPr>
-            <p:spPr>
-              <a:xfrm>
-                <a:off x="6066431" y="1710270"/>
-                <a:ext cx="180947" cy="276999"/>
-              </a:xfrm>
-              <a:prstGeom prst="rect">
-                <a:avLst/>
-              </a:prstGeom>
-              <a:blipFill>
-                <a:blip r:embed="rId7"/>
-                <a:stretch>
-                  <a:fillRect l="-33333" r="-20000" b="-27273"/>
-                </a:stretch>
-              </a:blipFill>
-            </p:spPr>
-            <p:txBody>
-              <a:bodyPr/>
-              <a:lstStyle/>
-              <a:p>
-                <a:r>
-                  <a:rPr lang="en-US">
-                    <a:noFill/>
-                  </a:rPr>
-                  <a:t> </a:t>
-                </a:r>
-              </a:p>
-            </p:txBody>
-          </p:sp>
-        </mc:Fallback>
-      </mc:AlternateContent>
-      <p:cxnSp>
-        <p:nvCxnSpPr>
-          <p:cNvPr id="23" name="Straight Arrow Connector 22">
-            <a:extLst>
-              <a:ext uri="{FF2B5EF4-FFF2-40B4-BE49-F238E27FC236}">
-                <a16:creationId xmlns:a16="http://schemas.microsoft.com/office/drawing/2014/main" id="{3A977BF2-4EF0-004A-977F-E134BEFF4140}"/>
-              </a:ext>
-            </a:extLst>
-          </p:cNvPr>
-          <p:cNvCxnSpPr>
-            <a:cxnSpLocks/>
-          </p:cNvCxnSpPr>
-          <p:nvPr/>
-        </p:nvCxnSpPr>
-        <p:spPr>
-          <a:xfrm flipH="1">
-            <a:off x="5063613" y="2398391"/>
-            <a:ext cx="694032" cy="1248314"/>
-          </a:xfrm>
-          <a:prstGeom prst="straightConnector1">
-            <a:avLst/>
-          </a:prstGeom>
-          <a:ln w="19050">
-            <a:solidFill>
-              <a:schemeClr val="tx1"/>
-            </a:solidFill>
-            <a:tailEnd type="triangle"/>
-          </a:ln>
-        </p:spPr>
-        <p:style>
-          <a:lnRef idx="1">
-            <a:schemeClr val="accent1"/>
-          </a:lnRef>
-          <a:fillRef idx="0">
-            <a:schemeClr val="accent1"/>
-          </a:fillRef>
-          <a:effectRef idx="0">
-            <a:schemeClr val="accent1"/>
-          </a:effectRef>
-          <a:fontRef idx="minor">
-            <a:schemeClr val="tx1"/>
-          </a:fontRef>
-        </p:style>
-      </p:cxnSp>
       <p:cxnSp>
         <p:nvCxnSpPr>
           <p:cNvPr id="25" name="Straight Arrow Connector 24">
@@ -4634,7 +4003,7 @@
             </p:nvSpPr>
             <p:spPr>
               <a:xfrm>
-                <a:off x="5075335" y="3102652"/>
+                <a:off x="4970910" y="2532882"/>
                 <a:ext cx="193194" cy="276999"/>
               </a:xfrm>
               <a:prstGeom prst="rect">
@@ -4684,16 +4053,16 @@
             </p:nvSpPr>
             <p:spPr>
               <a:xfrm>
-                <a:off x="5075335" y="3102652"/>
+                <a:off x="4970910" y="2532882"/>
                 <a:ext cx="193194" cy="276999"/>
               </a:xfrm>
               <a:prstGeom prst="rect">
                 <a:avLst/>
               </a:prstGeom>
               <a:blipFill>
-                <a:blip r:embed="rId8"/>
+                <a:blip r:embed="rId5"/>
                 <a:stretch>
-                  <a:fillRect l="-25000"/>
+                  <a:fillRect l="-17647"/>
                 </a:stretch>
               </a:blipFill>
             </p:spPr>
@@ -4728,7 +4097,7 @@
             </p:nvSpPr>
             <p:spPr>
               <a:xfrm>
-                <a:off x="5880867" y="2516816"/>
+                <a:off x="5838620" y="2486876"/>
                 <a:ext cx="185564" cy="276999"/>
               </a:xfrm>
               <a:prstGeom prst="rect">
@@ -4778,16 +4147,16 @@
             </p:nvSpPr>
             <p:spPr>
               <a:xfrm>
-                <a:off x="5880867" y="2516816"/>
+                <a:off x="5838620" y="2486876"/>
                 <a:ext cx="185564" cy="276999"/>
               </a:xfrm>
               <a:prstGeom prst="rect">
                 <a:avLst/>
               </a:prstGeom>
               <a:blipFill>
-                <a:blip r:embed="rId9"/>
+                <a:blip r:embed="rId6"/>
                 <a:stretch>
-                  <a:fillRect l="-37500" r="-12500" b="-26087"/>
+                  <a:fillRect l="-40000" r="-13333" b="-21739"/>
                 </a:stretch>
               </a:blipFill>
             </p:spPr>
@@ -4806,8 +4175,8 @@
           </p:sp>
         </mc:Fallback>
       </mc:AlternateContent>
-      <mc:AlternateContent xmlns:mc="http://schemas.openxmlformats.org/markup-compatibility/2006">
-        <mc:Choice xmlns:a14="http://schemas.microsoft.com/office/drawing/2010/main" Requires="a14">
+      <mc:AlternateContent xmlns:mc="http://schemas.openxmlformats.org/markup-compatibility/2006" xmlns:a14="http://schemas.microsoft.com/office/drawing/2010/main">
+        <mc:Choice Requires="a14">
           <p:sp>
             <p:nvSpPr>
               <p:cNvPr id="31" name="TextBox 30">
@@ -4858,15 +4227,7 @@
                 </a14:m>
                 <a:r>
                   <a:rPr lang="en-US" dirty="0"/>
-                  <a:t>chromosome and either an XY or </a:t>
-                </a:r>
-                <a:r>
-                  <a:rPr lang="en-US" dirty="0" err="1"/>
-                  <a:t>neoXY</a:t>
-                </a:r>
-                <a:r>
-                  <a:rPr lang="en-US" dirty="0"/>
-                  <a:t> sex chromosome system. A lineage can make four possible transitions: </a:t>
+                  <a:t>chromosome and either an XY or neoXY sex chromosome system. A lineage can make four possible transitions: </a:t>
                 </a:r>
                 <a14:m>
                   <m:oMath xmlns:m="http://schemas.openxmlformats.org/officeDocument/2006/math">
@@ -4926,15 +4287,7 @@
                 </a14:m>
                 <a:r>
                   <a:rPr lang="en-US" dirty="0"/>
-                  <a:t> the transition from </a:t>
-                </a:r>
-                <a:r>
-                  <a:rPr lang="en-US" dirty="0" err="1"/>
-                  <a:t>neoXY</a:t>
-                </a:r>
-                <a:r>
-                  <a:rPr lang="en-US" dirty="0"/>
-                  <a:t> to XY.</a:t>
+                  <a:t> the transition from neoXY to XY.</a:t>
                 </a:r>
               </a:p>
               <a:p>
@@ -4943,7 +4296,7 @@
             </p:txBody>
           </p:sp>
         </mc:Choice>
-        <mc:Fallback>
+        <mc:Fallback xmlns="">
           <p:sp>
             <p:nvSpPr>
               <p:cNvPr id="31" name="TextBox 30">
@@ -4988,6 +4341,1144 @@
           </p:sp>
         </mc:Fallback>
       </mc:AlternateContent>
+      <p:sp>
+        <p:nvSpPr>
+          <p:cNvPr id="3" name="Rectangle 2">
+            <a:extLst>
+              <a:ext uri="{FF2B5EF4-FFF2-40B4-BE49-F238E27FC236}">
+                <a16:creationId xmlns:a16="http://schemas.microsoft.com/office/drawing/2014/main" id="{C466E560-A4D6-D648-A9E9-AEF47294257C}"/>
+              </a:ext>
+            </a:extLst>
+          </p:cNvPr>
+          <p:cNvSpPr/>
+          <p:nvPr/>
+        </p:nvSpPr>
+        <p:spPr>
+          <a:xfrm>
+            <a:off x="4832431" y="3703900"/>
+            <a:ext cx="606066" cy="323734"/>
+          </a:xfrm>
+          <a:prstGeom prst="rect">
+            <a:avLst/>
+          </a:prstGeom>
+          <a:noFill/>
+          <a:ln>
+            <a:solidFill>
+              <a:schemeClr val="tx1"/>
+            </a:solidFill>
+          </a:ln>
+        </p:spPr>
+        <p:style>
+          <a:lnRef idx="2">
+            <a:schemeClr val="accent1">
+              <a:shade val="50000"/>
+            </a:schemeClr>
+          </a:lnRef>
+          <a:fillRef idx="1">
+            <a:schemeClr val="accent1"/>
+          </a:fillRef>
+          <a:effectRef idx="0">
+            <a:schemeClr val="accent1"/>
+          </a:effectRef>
+          <a:fontRef idx="minor">
+            <a:schemeClr val="lt1"/>
+          </a:fontRef>
+        </p:style>
+        <p:txBody>
+          <a:bodyPr rtlCol="0" anchor="ctr"/>
+          <a:lstStyle/>
+          <a:p>
+            <a:pPr algn="ctr"/>
+            <a:endParaRPr lang="en-US"/>
+          </a:p>
+        </p:txBody>
+      </p:sp>
+      <p:sp>
+        <p:nvSpPr>
+          <p:cNvPr id="24" name="Rectangle 23">
+            <a:extLst>
+              <a:ext uri="{FF2B5EF4-FFF2-40B4-BE49-F238E27FC236}">
+                <a16:creationId xmlns:a16="http://schemas.microsoft.com/office/drawing/2014/main" id="{2C74EAB7-0D06-C64E-AE6A-23452FA03486}"/>
+              </a:ext>
+            </a:extLst>
+          </p:cNvPr>
+          <p:cNvSpPr/>
+          <p:nvPr/>
+        </p:nvSpPr>
+        <p:spPr>
+          <a:xfrm>
+            <a:off x="6202985" y="3704249"/>
+            <a:ext cx="606066" cy="323734"/>
+          </a:xfrm>
+          <a:prstGeom prst="rect">
+            <a:avLst/>
+          </a:prstGeom>
+          <a:noFill/>
+          <a:ln>
+            <a:solidFill>
+              <a:schemeClr val="tx1"/>
+            </a:solidFill>
+          </a:ln>
+        </p:spPr>
+        <p:style>
+          <a:lnRef idx="2">
+            <a:schemeClr val="accent1">
+              <a:shade val="50000"/>
+            </a:schemeClr>
+          </a:lnRef>
+          <a:fillRef idx="1">
+            <a:schemeClr val="accent1"/>
+          </a:fillRef>
+          <a:effectRef idx="0">
+            <a:schemeClr val="accent1"/>
+          </a:effectRef>
+          <a:fontRef idx="minor">
+            <a:schemeClr val="lt1"/>
+          </a:fontRef>
+        </p:style>
+        <p:txBody>
+          <a:bodyPr rtlCol="0" anchor="ctr"/>
+          <a:lstStyle/>
+          <a:p>
+            <a:pPr algn="ctr"/>
+            <a:endParaRPr lang="en-US"/>
+          </a:p>
+        </p:txBody>
+      </p:sp>
+      <p:sp>
+        <p:nvSpPr>
+          <p:cNvPr id="26" name="Rectangle 25">
+            <a:extLst>
+              <a:ext uri="{FF2B5EF4-FFF2-40B4-BE49-F238E27FC236}">
+                <a16:creationId xmlns:a16="http://schemas.microsoft.com/office/drawing/2014/main" id="{EEB9E088-7443-144C-9E87-EEE02DAC1D9A}"/>
+              </a:ext>
+            </a:extLst>
+          </p:cNvPr>
+          <p:cNvSpPr/>
+          <p:nvPr/>
+        </p:nvSpPr>
+        <p:spPr>
+          <a:xfrm>
+            <a:off x="5717893" y="3706174"/>
+            <a:ext cx="214132" cy="323734"/>
+          </a:xfrm>
+          <a:prstGeom prst="rect">
+            <a:avLst/>
+          </a:prstGeom>
+          <a:noFill/>
+          <a:ln>
+            <a:solidFill>
+              <a:schemeClr val="tx1"/>
+            </a:solidFill>
+          </a:ln>
+        </p:spPr>
+        <p:style>
+          <a:lnRef idx="2">
+            <a:schemeClr val="accent1">
+              <a:shade val="50000"/>
+            </a:schemeClr>
+          </a:lnRef>
+          <a:fillRef idx="1">
+            <a:schemeClr val="accent1"/>
+          </a:fillRef>
+          <a:effectRef idx="0">
+            <a:schemeClr val="accent1"/>
+          </a:effectRef>
+          <a:fontRef idx="minor">
+            <a:schemeClr val="lt1"/>
+          </a:fontRef>
+        </p:style>
+        <p:txBody>
+          <a:bodyPr rtlCol="0" anchor="ctr"/>
+          <a:lstStyle/>
+          <a:p>
+            <a:pPr algn="ctr"/>
+            <a:endParaRPr lang="en-US"/>
+          </a:p>
+        </p:txBody>
+      </p:sp>
+      <p:sp>
+        <p:nvSpPr>
+          <p:cNvPr id="30" name="Freeform 29">
+            <a:extLst>
+              <a:ext uri="{FF2B5EF4-FFF2-40B4-BE49-F238E27FC236}">
+                <a16:creationId xmlns:a16="http://schemas.microsoft.com/office/drawing/2014/main" id="{B971DFA4-F597-C144-87A0-3BD954B2BD7A}"/>
+              </a:ext>
+            </a:extLst>
+          </p:cNvPr>
+          <p:cNvSpPr/>
+          <p:nvPr/>
+        </p:nvSpPr>
+        <p:spPr>
+          <a:xfrm flipH="1">
+            <a:off x="5191016" y="3304415"/>
+            <a:ext cx="636412" cy="398595"/>
+          </a:xfrm>
+          <a:custGeom>
+            <a:avLst/>
+            <a:gdLst>
+              <a:gd name="connsiteX0" fmla="*/ 0 w 595901"/>
+              <a:gd name="connsiteY0" fmla="*/ 287906 h 329003"/>
+              <a:gd name="connsiteX1" fmla="*/ 287676 w 595901"/>
+              <a:gd name="connsiteY1" fmla="*/ 230 h 329003"/>
+              <a:gd name="connsiteX2" fmla="*/ 595901 w 595901"/>
+              <a:gd name="connsiteY2" fmla="*/ 329003 h 329003"/>
+              <a:gd name="connsiteX3" fmla="*/ 595901 w 595901"/>
+              <a:gd name="connsiteY3" fmla="*/ 329003 h 329003"/>
+              <a:gd name="connsiteX0" fmla="*/ 0 w 642199"/>
+              <a:gd name="connsiteY0" fmla="*/ 283083 h 329067"/>
+              <a:gd name="connsiteX1" fmla="*/ 333974 w 642199"/>
+              <a:gd name="connsiteY1" fmla="*/ 294 h 329067"/>
+              <a:gd name="connsiteX2" fmla="*/ 642199 w 642199"/>
+              <a:gd name="connsiteY2" fmla="*/ 329067 h 329067"/>
+              <a:gd name="connsiteX3" fmla="*/ 642199 w 642199"/>
+              <a:gd name="connsiteY3" fmla="*/ 329067 h 329067"/>
+              <a:gd name="connsiteX0" fmla="*/ 0 w 636412"/>
+              <a:gd name="connsiteY0" fmla="*/ 336542 h 336543"/>
+              <a:gd name="connsiteX1" fmla="*/ 328187 w 636412"/>
+              <a:gd name="connsiteY1" fmla="*/ 4 h 336543"/>
+              <a:gd name="connsiteX2" fmla="*/ 636412 w 636412"/>
+              <a:gd name="connsiteY2" fmla="*/ 328777 h 336543"/>
+              <a:gd name="connsiteX3" fmla="*/ 636412 w 636412"/>
+              <a:gd name="connsiteY3" fmla="*/ 328777 h 336543"/>
+            </a:gdLst>
+            <a:ahLst/>
+            <a:cxnLst>
+              <a:cxn ang="0">
+                <a:pos x="connsiteX0" y="connsiteY0"/>
+              </a:cxn>
+              <a:cxn ang="0">
+                <a:pos x="connsiteX1" y="connsiteY1"/>
+              </a:cxn>
+              <a:cxn ang="0">
+                <a:pos x="connsiteX2" y="connsiteY2"/>
+              </a:cxn>
+              <a:cxn ang="0">
+                <a:pos x="connsiteX3" y="connsiteY3"/>
+              </a:cxn>
+            </a:cxnLst>
+            <a:rect l="l" t="t" r="r" b="b"/>
+            <a:pathLst>
+              <a:path w="636412" h="336543">
+                <a:moveTo>
+                  <a:pt x="0" y="336542"/>
+                </a:moveTo>
+                <a:cubicBezTo>
+                  <a:pt x="94179" y="189279"/>
+                  <a:pt x="222118" y="1298"/>
+                  <a:pt x="328187" y="4"/>
+                </a:cubicBezTo>
+                <a:cubicBezTo>
+                  <a:pt x="434256" y="-1290"/>
+                  <a:pt x="636412" y="328777"/>
+                  <a:pt x="636412" y="328777"/>
+                </a:cubicBezTo>
+                <a:lnTo>
+                  <a:pt x="636412" y="328777"/>
+                </a:lnTo>
+              </a:path>
+            </a:pathLst>
+          </a:custGeom>
+          <a:noFill/>
+          <a:ln w="19050">
+            <a:solidFill>
+              <a:schemeClr val="tx1"/>
+            </a:solidFill>
+            <a:tailEnd type="triangle"/>
+          </a:ln>
+        </p:spPr>
+        <p:style>
+          <a:lnRef idx="2">
+            <a:schemeClr val="accent1">
+              <a:shade val="50000"/>
+            </a:schemeClr>
+          </a:lnRef>
+          <a:fillRef idx="1">
+            <a:schemeClr val="accent1"/>
+          </a:fillRef>
+          <a:effectRef idx="0">
+            <a:schemeClr val="accent1"/>
+          </a:effectRef>
+          <a:fontRef idx="minor">
+            <a:schemeClr val="lt1"/>
+          </a:fontRef>
+        </p:style>
+        <p:txBody>
+          <a:bodyPr rtlCol="0" anchor="ctr"/>
+          <a:lstStyle/>
+          <a:p>
+            <a:pPr algn="ctr"/>
+            <a:endParaRPr lang="en-US" dirty="0"/>
+          </a:p>
+        </p:txBody>
+      </p:sp>
+      <p:sp>
+        <p:nvSpPr>
+          <p:cNvPr id="32" name="Freeform 31">
+            <a:extLst>
+              <a:ext uri="{FF2B5EF4-FFF2-40B4-BE49-F238E27FC236}">
+                <a16:creationId xmlns:a16="http://schemas.microsoft.com/office/drawing/2014/main" id="{85CA8FE4-4272-A04D-8398-B865ADABC1C0}"/>
+              </a:ext>
+            </a:extLst>
+          </p:cNvPr>
+          <p:cNvSpPr/>
+          <p:nvPr/>
+        </p:nvSpPr>
+        <p:spPr>
+          <a:xfrm flipH="1">
+            <a:off x="5045998" y="2393127"/>
+            <a:ext cx="711648" cy="1310317"/>
+          </a:xfrm>
+          <a:custGeom>
+            <a:avLst/>
+            <a:gdLst>
+              <a:gd name="connsiteX0" fmla="*/ 0 w 595901"/>
+              <a:gd name="connsiteY0" fmla="*/ 287906 h 329003"/>
+              <a:gd name="connsiteX1" fmla="*/ 287676 w 595901"/>
+              <a:gd name="connsiteY1" fmla="*/ 230 h 329003"/>
+              <a:gd name="connsiteX2" fmla="*/ 595901 w 595901"/>
+              <a:gd name="connsiteY2" fmla="*/ 329003 h 329003"/>
+              <a:gd name="connsiteX3" fmla="*/ 595901 w 595901"/>
+              <a:gd name="connsiteY3" fmla="*/ 329003 h 329003"/>
+              <a:gd name="connsiteX0" fmla="*/ 0 w 642199"/>
+              <a:gd name="connsiteY0" fmla="*/ 283083 h 329067"/>
+              <a:gd name="connsiteX1" fmla="*/ 333974 w 642199"/>
+              <a:gd name="connsiteY1" fmla="*/ 294 h 329067"/>
+              <a:gd name="connsiteX2" fmla="*/ 642199 w 642199"/>
+              <a:gd name="connsiteY2" fmla="*/ 329067 h 329067"/>
+              <a:gd name="connsiteX3" fmla="*/ 642199 w 642199"/>
+              <a:gd name="connsiteY3" fmla="*/ 329067 h 329067"/>
+              <a:gd name="connsiteX0" fmla="*/ 0 w 636412"/>
+              <a:gd name="connsiteY0" fmla="*/ 336542 h 336543"/>
+              <a:gd name="connsiteX1" fmla="*/ 328187 w 636412"/>
+              <a:gd name="connsiteY1" fmla="*/ 4 h 336543"/>
+              <a:gd name="connsiteX2" fmla="*/ 636412 w 636412"/>
+              <a:gd name="connsiteY2" fmla="*/ 328777 h 336543"/>
+              <a:gd name="connsiteX3" fmla="*/ 636412 w 636412"/>
+              <a:gd name="connsiteY3" fmla="*/ 328777 h 336543"/>
+              <a:gd name="connsiteX0" fmla="*/ 0 w 711648"/>
+              <a:gd name="connsiteY0" fmla="*/ 34448 h 691232"/>
+              <a:gd name="connsiteX1" fmla="*/ 403423 w 711648"/>
+              <a:gd name="connsiteY1" fmla="*/ 362459 h 691232"/>
+              <a:gd name="connsiteX2" fmla="*/ 711648 w 711648"/>
+              <a:gd name="connsiteY2" fmla="*/ 691232 h 691232"/>
+              <a:gd name="connsiteX3" fmla="*/ 711648 w 711648"/>
+              <a:gd name="connsiteY3" fmla="*/ 691232 h 691232"/>
+              <a:gd name="connsiteX0" fmla="*/ 0 w 711648"/>
+              <a:gd name="connsiteY0" fmla="*/ 0 h 656784"/>
+              <a:gd name="connsiteX1" fmla="*/ 403423 w 711648"/>
+              <a:gd name="connsiteY1" fmla="*/ 328011 h 656784"/>
+              <a:gd name="connsiteX2" fmla="*/ 711648 w 711648"/>
+              <a:gd name="connsiteY2" fmla="*/ 656784 h 656784"/>
+              <a:gd name="connsiteX3" fmla="*/ 711648 w 711648"/>
+              <a:gd name="connsiteY3" fmla="*/ 656784 h 656784"/>
+              <a:gd name="connsiteX0" fmla="*/ 0 w 721111"/>
+              <a:gd name="connsiteY0" fmla="*/ 0 h 656784"/>
+              <a:gd name="connsiteX1" fmla="*/ 640704 w 721111"/>
+              <a:gd name="connsiteY1" fmla="*/ 235170 h 656784"/>
+              <a:gd name="connsiteX2" fmla="*/ 711648 w 721111"/>
+              <a:gd name="connsiteY2" fmla="*/ 656784 h 656784"/>
+              <a:gd name="connsiteX3" fmla="*/ 711648 w 721111"/>
+              <a:gd name="connsiteY3" fmla="*/ 656784 h 656784"/>
+              <a:gd name="connsiteX0" fmla="*/ 0 w 721111"/>
+              <a:gd name="connsiteY0" fmla="*/ 0 h 1106331"/>
+              <a:gd name="connsiteX1" fmla="*/ 640704 w 721111"/>
+              <a:gd name="connsiteY1" fmla="*/ 235170 h 1106331"/>
+              <a:gd name="connsiteX2" fmla="*/ 711648 w 721111"/>
+              <a:gd name="connsiteY2" fmla="*/ 656784 h 1106331"/>
+              <a:gd name="connsiteX3" fmla="*/ 705861 w 721111"/>
+              <a:gd name="connsiteY3" fmla="*/ 1106331 h 1106331"/>
+              <a:gd name="connsiteX0" fmla="*/ 0 w 711648"/>
+              <a:gd name="connsiteY0" fmla="*/ 0 h 1106331"/>
+              <a:gd name="connsiteX1" fmla="*/ 588618 w 711648"/>
+              <a:gd name="connsiteY1" fmla="*/ 186306 h 1106331"/>
+              <a:gd name="connsiteX2" fmla="*/ 711648 w 711648"/>
+              <a:gd name="connsiteY2" fmla="*/ 656784 h 1106331"/>
+              <a:gd name="connsiteX3" fmla="*/ 705861 w 711648"/>
+              <a:gd name="connsiteY3" fmla="*/ 1106331 h 1106331"/>
+            </a:gdLst>
+            <a:ahLst/>
+            <a:cxnLst>
+              <a:cxn ang="0">
+                <a:pos x="connsiteX0" y="connsiteY0"/>
+              </a:cxn>
+              <a:cxn ang="0">
+                <a:pos x="connsiteX1" y="connsiteY1"/>
+              </a:cxn>
+              <a:cxn ang="0">
+                <a:pos x="connsiteX2" y="connsiteY2"/>
+              </a:cxn>
+              <a:cxn ang="0">
+                <a:pos x="connsiteX3" y="connsiteY3"/>
+              </a:cxn>
+            </a:cxnLst>
+            <a:rect l="l" t="t" r="r" b="b"/>
+            <a:pathLst>
+              <a:path w="711648" h="1106331">
+                <a:moveTo>
+                  <a:pt x="0" y="0"/>
+                </a:moveTo>
+                <a:cubicBezTo>
+                  <a:pt x="7368" y="228988"/>
+                  <a:pt x="470010" y="76842"/>
+                  <a:pt x="588618" y="186306"/>
+                </a:cubicBezTo>
+                <a:cubicBezTo>
+                  <a:pt x="707226" y="295770"/>
+                  <a:pt x="711648" y="656784"/>
+                  <a:pt x="711648" y="656784"/>
+                </a:cubicBezTo>
+                <a:lnTo>
+                  <a:pt x="705861" y="1106331"/>
+                </a:lnTo>
+              </a:path>
+            </a:pathLst>
+          </a:custGeom>
+          <a:noFill/>
+          <a:ln w="19050">
+            <a:solidFill>
+              <a:schemeClr val="tx1"/>
+            </a:solidFill>
+            <a:tailEnd type="triangle"/>
+          </a:ln>
+        </p:spPr>
+        <p:style>
+          <a:lnRef idx="2">
+            <a:schemeClr val="accent1">
+              <a:shade val="50000"/>
+            </a:schemeClr>
+          </a:lnRef>
+          <a:fillRef idx="1">
+            <a:schemeClr val="accent1"/>
+          </a:fillRef>
+          <a:effectRef idx="0">
+            <a:schemeClr val="accent1"/>
+          </a:effectRef>
+          <a:fontRef idx="minor">
+            <a:schemeClr val="lt1"/>
+          </a:fontRef>
+        </p:style>
+        <p:txBody>
+          <a:bodyPr rtlCol="0" anchor="ctr"/>
+          <a:lstStyle/>
+          <a:p>
+            <a:pPr algn="ctr"/>
+            <a:endParaRPr lang="en-US" dirty="0"/>
+          </a:p>
+        </p:txBody>
+      </p:sp>
+      <mc:AlternateContent xmlns:mc="http://schemas.openxmlformats.org/markup-compatibility/2006">
+        <mc:Choice xmlns:a14="http://schemas.microsoft.com/office/drawing/2010/main" Requires="a14">
+          <p:sp>
+            <p:nvSpPr>
+              <p:cNvPr id="37" name="TextBox 36">
+                <a:extLst>
+                  <a:ext uri="{FF2B5EF4-FFF2-40B4-BE49-F238E27FC236}">
+                    <a16:creationId xmlns:a16="http://schemas.microsoft.com/office/drawing/2014/main" id="{561AD02A-443A-8C4B-B05B-623126EE25C8}"/>
+                  </a:ext>
+                </a:extLst>
+              </p:cNvPr>
+              <p:cNvSpPr txBox="1"/>
+              <p:nvPr/>
+            </p:nvSpPr>
+            <p:spPr>
+              <a:xfrm>
+                <a:off x="4785202" y="1891873"/>
+                <a:ext cx="2066080" cy="369332"/>
+              </a:xfrm>
+              <a:prstGeom prst="rect">
+                <a:avLst/>
+              </a:prstGeom>
+              <a:noFill/>
+            </p:spPr>
+            <p:txBody>
+              <a:bodyPr wrap="square" rtlCol="0">
+                <a:spAutoFit/>
+              </a:bodyPr>
+              <a:lstStyle/>
+              <a:p>
+                <a:pPr/>
+                <a14:m>
+                  <m:oMathPara xmlns:m="http://schemas.openxmlformats.org/officeDocument/2006/math">
+                    <m:oMathParaPr>
+                      <m:jc m:val="centerGroup"/>
+                    </m:oMathParaPr>
+                    <m:oMath xmlns:m="http://schemas.openxmlformats.org/officeDocument/2006/math">
+                      <m:r>
+                        <a:rPr lang="en-US" b="0" i="1" smtClean="0">
+                          <a:latin typeface="Cambria Math" panose="02040503050406030204" pitchFamily="18" charset="0"/>
+                        </a:rPr>
+                        <m:t>𝑖</m:t>
+                      </m:r>
+                      <m:r>
+                        <a:rPr lang="en-US" b="0" i="1" smtClean="0">
+                          <a:latin typeface="Cambria Math" panose="02040503050406030204" pitchFamily="18" charset="0"/>
+                        </a:rPr>
+                        <m:t>−1        </m:t>
+                      </m:r>
+                      <m:r>
+                        <a:rPr lang="en-US" b="0" i="1" smtClean="0">
+                          <a:latin typeface="Cambria Math" panose="02040503050406030204" pitchFamily="18" charset="0"/>
+                        </a:rPr>
+                        <m:t>𝑖</m:t>
+                      </m:r>
+                      <m:r>
+                        <a:rPr lang="en-US" b="0" i="1" smtClean="0">
+                          <a:latin typeface="Cambria Math" panose="02040503050406030204" pitchFamily="18" charset="0"/>
+                        </a:rPr>
+                        <m:t>        </m:t>
+                      </m:r>
+                      <m:r>
+                        <a:rPr lang="en-US" b="0" i="1" smtClean="0">
+                          <a:latin typeface="Cambria Math" panose="02040503050406030204" pitchFamily="18" charset="0"/>
+                        </a:rPr>
+                        <m:t>𝑖</m:t>
+                      </m:r>
+                      <m:r>
+                        <a:rPr lang="en-US" b="0" i="1" smtClean="0">
+                          <a:latin typeface="Cambria Math" panose="02040503050406030204" pitchFamily="18" charset="0"/>
+                        </a:rPr>
+                        <m:t>+1</m:t>
+                      </m:r>
+                    </m:oMath>
+                  </m:oMathPara>
+                </a14:m>
+                <a:endParaRPr lang="en-US" i="1" dirty="0">
+                  <a:latin typeface="Garamond" panose="02020404030301010803" pitchFamily="18" charset="0"/>
+                </a:endParaRPr>
+              </a:p>
+            </p:txBody>
+          </p:sp>
+        </mc:Choice>
+        <mc:Fallback>
+          <p:sp>
+            <p:nvSpPr>
+              <p:cNvPr id="37" name="TextBox 36">
+                <a:extLst>
+                  <a:ext uri="{FF2B5EF4-FFF2-40B4-BE49-F238E27FC236}">
+                    <a16:creationId xmlns:a16="http://schemas.microsoft.com/office/drawing/2014/main" id="{561AD02A-443A-8C4B-B05B-623126EE25C8}"/>
+                  </a:ext>
+                </a:extLst>
+              </p:cNvPr>
+              <p:cNvSpPr txBox="1">
+                <a:spLocks noRot="1" noChangeAspect="1" noMove="1" noResize="1" noEditPoints="1" noAdjustHandles="1" noChangeArrowheads="1" noChangeShapeType="1" noTextEdit="1"/>
+              </p:cNvSpPr>
+              <p:nvPr/>
+            </p:nvSpPr>
+            <p:spPr>
+              <a:xfrm>
+                <a:off x="4785202" y="1891873"/>
+                <a:ext cx="2066080" cy="369332"/>
+              </a:xfrm>
+              <a:prstGeom prst="rect">
+                <a:avLst/>
+              </a:prstGeom>
+              <a:blipFill>
+                <a:blip r:embed="rId11"/>
+                <a:stretch>
+                  <a:fillRect b="-13333"/>
+                </a:stretch>
+              </a:blipFill>
+            </p:spPr>
+            <p:txBody>
+              <a:bodyPr/>
+              <a:lstStyle/>
+              <a:p>
+                <a:r>
+                  <a:rPr lang="en-US">
+                    <a:noFill/>
+                  </a:rPr>
+                  <a:t> </a:t>
+                </a:r>
+              </a:p>
+            </p:txBody>
+          </p:sp>
+        </mc:Fallback>
+      </mc:AlternateContent>
+      <p:sp>
+        <p:nvSpPr>
+          <p:cNvPr id="38" name="Freeform 37">
+            <a:extLst>
+              <a:ext uri="{FF2B5EF4-FFF2-40B4-BE49-F238E27FC236}">
+                <a16:creationId xmlns:a16="http://schemas.microsoft.com/office/drawing/2014/main" id="{D0E83413-250E-6F45-A90A-F74DFE74CACC}"/>
+              </a:ext>
+            </a:extLst>
+          </p:cNvPr>
+          <p:cNvSpPr/>
+          <p:nvPr/>
+        </p:nvSpPr>
+        <p:spPr>
+          <a:xfrm>
+            <a:off x="5823084" y="1514838"/>
+            <a:ext cx="636412" cy="398595"/>
+          </a:xfrm>
+          <a:custGeom>
+            <a:avLst/>
+            <a:gdLst>
+              <a:gd name="connsiteX0" fmla="*/ 0 w 595901"/>
+              <a:gd name="connsiteY0" fmla="*/ 287906 h 329003"/>
+              <a:gd name="connsiteX1" fmla="*/ 287676 w 595901"/>
+              <a:gd name="connsiteY1" fmla="*/ 230 h 329003"/>
+              <a:gd name="connsiteX2" fmla="*/ 595901 w 595901"/>
+              <a:gd name="connsiteY2" fmla="*/ 329003 h 329003"/>
+              <a:gd name="connsiteX3" fmla="*/ 595901 w 595901"/>
+              <a:gd name="connsiteY3" fmla="*/ 329003 h 329003"/>
+              <a:gd name="connsiteX0" fmla="*/ 0 w 642199"/>
+              <a:gd name="connsiteY0" fmla="*/ 283083 h 329067"/>
+              <a:gd name="connsiteX1" fmla="*/ 333974 w 642199"/>
+              <a:gd name="connsiteY1" fmla="*/ 294 h 329067"/>
+              <a:gd name="connsiteX2" fmla="*/ 642199 w 642199"/>
+              <a:gd name="connsiteY2" fmla="*/ 329067 h 329067"/>
+              <a:gd name="connsiteX3" fmla="*/ 642199 w 642199"/>
+              <a:gd name="connsiteY3" fmla="*/ 329067 h 329067"/>
+              <a:gd name="connsiteX0" fmla="*/ 0 w 636412"/>
+              <a:gd name="connsiteY0" fmla="*/ 336542 h 336543"/>
+              <a:gd name="connsiteX1" fmla="*/ 328187 w 636412"/>
+              <a:gd name="connsiteY1" fmla="*/ 4 h 336543"/>
+              <a:gd name="connsiteX2" fmla="*/ 636412 w 636412"/>
+              <a:gd name="connsiteY2" fmla="*/ 328777 h 336543"/>
+              <a:gd name="connsiteX3" fmla="*/ 636412 w 636412"/>
+              <a:gd name="connsiteY3" fmla="*/ 328777 h 336543"/>
+            </a:gdLst>
+            <a:ahLst/>
+            <a:cxnLst>
+              <a:cxn ang="0">
+                <a:pos x="connsiteX0" y="connsiteY0"/>
+              </a:cxn>
+              <a:cxn ang="0">
+                <a:pos x="connsiteX1" y="connsiteY1"/>
+              </a:cxn>
+              <a:cxn ang="0">
+                <a:pos x="connsiteX2" y="connsiteY2"/>
+              </a:cxn>
+              <a:cxn ang="0">
+                <a:pos x="connsiteX3" y="connsiteY3"/>
+              </a:cxn>
+            </a:cxnLst>
+            <a:rect l="l" t="t" r="r" b="b"/>
+            <a:pathLst>
+              <a:path w="636412" h="336543">
+                <a:moveTo>
+                  <a:pt x="0" y="336542"/>
+                </a:moveTo>
+                <a:cubicBezTo>
+                  <a:pt x="94179" y="189279"/>
+                  <a:pt x="222118" y="1298"/>
+                  <a:pt x="328187" y="4"/>
+                </a:cubicBezTo>
+                <a:cubicBezTo>
+                  <a:pt x="434256" y="-1290"/>
+                  <a:pt x="636412" y="328777"/>
+                  <a:pt x="636412" y="328777"/>
+                </a:cubicBezTo>
+                <a:lnTo>
+                  <a:pt x="636412" y="328777"/>
+                </a:lnTo>
+              </a:path>
+            </a:pathLst>
+          </a:custGeom>
+          <a:noFill/>
+          <a:ln w="19050">
+            <a:solidFill>
+              <a:schemeClr val="tx1"/>
+            </a:solidFill>
+            <a:tailEnd type="triangle"/>
+          </a:ln>
+        </p:spPr>
+        <p:style>
+          <a:lnRef idx="2">
+            <a:schemeClr val="accent1">
+              <a:shade val="50000"/>
+            </a:schemeClr>
+          </a:lnRef>
+          <a:fillRef idx="1">
+            <a:schemeClr val="accent1"/>
+          </a:fillRef>
+          <a:effectRef idx="0">
+            <a:schemeClr val="accent1"/>
+          </a:effectRef>
+          <a:fontRef idx="minor">
+            <a:schemeClr val="lt1"/>
+          </a:fontRef>
+        </p:style>
+        <p:txBody>
+          <a:bodyPr rtlCol="0" anchor="ctr"/>
+          <a:lstStyle/>
+          <a:p>
+            <a:pPr algn="ctr"/>
+            <a:endParaRPr lang="en-US" dirty="0"/>
+          </a:p>
+        </p:txBody>
+      </p:sp>
+      <mc:AlternateContent xmlns:mc="http://schemas.openxmlformats.org/markup-compatibility/2006">
+        <mc:Choice xmlns:a14="http://schemas.microsoft.com/office/drawing/2010/main" Requires="a14">
+          <p:sp>
+            <p:nvSpPr>
+              <p:cNvPr id="39" name="TextBox 38">
+                <a:extLst>
+                  <a:ext uri="{FF2B5EF4-FFF2-40B4-BE49-F238E27FC236}">
+                    <a16:creationId xmlns:a16="http://schemas.microsoft.com/office/drawing/2014/main" id="{75685B59-8EBA-A74A-A285-A8EEFCA5C3E2}"/>
+                  </a:ext>
+                </a:extLst>
+              </p:cNvPr>
+              <p:cNvSpPr txBox="1"/>
+              <p:nvPr/>
+            </p:nvSpPr>
+            <p:spPr>
+              <a:xfrm>
+                <a:off x="5182850" y="1473993"/>
+                <a:ext cx="121884" cy="276999"/>
+              </a:xfrm>
+              <a:prstGeom prst="rect">
+                <a:avLst/>
+              </a:prstGeom>
+              <a:solidFill>
+                <a:schemeClr val="bg1"/>
+              </a:solidFill>
+            </p:spPr>
+            <p:txBody>
+              <a:bodyPr wrap="square" lIns="0" tIns="0" rIns="0" bIns="0" rtlCol="0">
+                <a:spAutoFit/>
+              </a:bodyPr>
+              <a:lstStyle/>
+              <a:p>
+                <a:pPr/>
+                <a14:m>
+                  <m:oMathPara xmlns:m="http://schemas.openxmlformats.org/officeDocument/2006/math">
+                    <m:oMathParaPr>
+                      <m:jc m:val="centerGroup"/>
+                    </m:oMathParaPr>
+                    <m:oMath xmlns:m="http://schemas.openxmlformats.org/officeDocument/2006/math">
+                      <m:r>
+                        <a:rPr lang="en-US" i="1" smtClean="0">
+                          <a:latin typeface="Cambria Math" panose="02040503050406030204" pitchFamily="18" charset="0"/>
+                          <a:ea typeface="Cambria Math" panose="02040503050406030204" pitchFamily="18" charset="0"/>
+                        </a:rPr>
+                        <m:t>𝛿</m:t>
+                      </m:r>
+                    </m:oMath>
+                  </m:oMathPara>
+                </a14:m>
+                <a:endParaRPr lang="en-US" dirty="0"/>
+              </a:p>
+            </p:txBody>
+          </p:sp>
+        </mc:Choice>
+        <mc:Fallback>
+          <p:sp>
+            <p:nvSpPr>
+              <p:cNvPr id="39" name="TextBox 38">
+                <a:extLst>
+                  <a:ext uri="{FF2B5EF4-FFF2-40B4-BE49-F238E27FC236}">
+                    <a16:creationId xmlns:a16="http://schemas.microsoft.com/office/drawing/2014/main" id="{75685B59-8EBA-A74A-A285-A8EEFCA5C3E2}"/>
+                  </a:ext>
+                </a:extLst>
+              </p:cNvPr>
+              <p:cNvSpPr txBox="1">
+                <a:spLocks noRot="1" noChangeAspect="1" noMove="1" noResize="1" noEditPoints="1" noAdjustHandles="1" noChangeArrowheads="1" noChangeShapeType="1" noTextEdit="1"/>
+              </p:cNvSpPr>
+              <p:nvPr/>
+            </p:nvSpPr>
+            <p:spPr>
+              <a:xfrm>
+                <a:off x="5182850" y="1473993"/>
+                <a:ext cx="121884" cy="276999"/>
+              </a:xfrm>
+              <a:prstGeom prst="rect">
+                <a:avLst/>
+              </a:prstGeom>
+              <a:blipFill>
+                <a:blip r:embed="rId12"/>
+                <a:stretch>
+                  <a:fillRect l="-70000" r="-60000" b="-4348"/>
+                </a:stretch>
+              </a:blipFill>
+            </p:spPr>
+            <p:txBody>
+              <a:bodyPr/>
+              <a:lstStyle/>
+              <a:p>
+                <a:r>
+                  <a:rPr lang="en-US">
+                    <a:noFill/>
+                  </a:rPr>
+                  <a:t> </a:t>
+                </a:r>
+              </a:p>
+            </p:txBody>
+          </p:sp>
+        </mc:Fallback>
+      </mc:AlternateContent>
+      <mc:AlternateContent xmlns:mc="http://schemas.openxmlformats.org/markup-compatibility/2006">
+        <mc:Choice xmlns:a14="http://schemas.microsoft.com/office/drawing/2010/main" Requires="a14">
+          <p:sp>
+            <p:nvSpPr>
+              <p:cNvPr id="40" name="TextBox 39">
+                <a:extLst>
+                  <a:ext uri="{FF2B5EF4-FFF2-40B4-BE49-F238E27FC236}">
+                    <a16:creationId xmlns:a16="http://schemas.microsoft.com/office/drawing/2014/main" id="{C8005C5F-034F-9D40-98A7-9B185CED1E0E}"/>
+                  </a:ext>
+                </a:extLst>
+              </p:cNvPr>
+              <p:cNvSpPr txBox="1"/>
+              <p:nvPr/>
+            </p:nvSpPr>
+            <p:spPr>
+              <a:xfrm>
+                <a:off x="6382341" y="1429751"/>
+                <a:ext cx="154309" cy="276999"/>
+              </a:xfrm>
+              <a:prstGeom prst="rect">
+                <a:avLst/>
+              </a:prstGeom>
+              <a:solidFill>
+                <a:schemeClr val="bg1"/>
+              </a:solidFill>
+            </p:spPr>
+            <p:txBody>
+              <a:bodyPr wrap="square" lIns="0" tIns="0" rIns="0" bIns="0" rtlCol="0">
+                <a:spAutoFit/>
+              </a:bodyPr>
+              <a:lstStyle/>
+              <a:p>
+                <a:pPr/>
+                <a14:m>
+                  <m:oMathPara xmlns:m="http://schemas.openxmlformats.org/officeDocument/2006/math">
+                    <m:oMathParaPr>
+                      <m:jc m:val="centerGroup"/>
+                    </m:oMathParaPr>
+                    <m:oMath xmlns:m="http://schemas.openxmlformats.org/officeDocument/2006/math">
+                      <m:r>
+                        <a:rPr lang="en-US" i="1" smtClean="0">
+                          <a:latin typeface="Cambria Math" panose="02040503050406030204" pitchFamily="18" charset="0"/>
+                          <a:ea typeface="Cambria Math" panose="02040503050406030204" pitchFamily="18" charset="0"/>
+                        </a:rPr>
+                        <m:t>𝛾</m:t>
+                      </m:r>
+                    </m:oMath>
+                  </m:oMathPara>
+                </a14:m>
+                <a:endParaRPr lang="en-US" dirty="0"/>
+              </a:p>
+            </p:txBody>
+          </p:sp>
+        </mc:Choice>
+        <mc:Fallback>
+          <p:sp>
+            <p:nvSpPr>
+              <p:cNvPr id="40" name="TextBox 39">
+                <a:extLst>
+                  <a:ext uri="{FF2B5EF4-FFF2-40B4-BE49-F238E27FC236}">
+                    <a16:creationId xmlns:a16="http://schemas.microsoft.com/office/drawing/2014/main" id="{C8005C5F-034F-9D40-98A7-9B185CED1E0E}"/>
+                  </a:ext>
+                </a:extLst>
+              </p:cNvPr>
+              <p:cNvSpPr txBox="1">
+                <a:spLocks noRot="1" noChangeAspect="1" noMove="1" noResize="1" noEditPoints="1" noAdjustHandles="1" noChangeArrowheads="1" noChangeShapeType="1" noTextEdit="1"/>
+              </p:cNvSpPr>
+              <p:nvPr/>
+            </p:nvSpPr>
+            <p:spPr>
+              <a:xfrm>
+                <a:off x="6382341" y="1429751"/>
+                <a:ext cx="154309" cy="276999"/>
+              </a:xfrm>
+              <a:prstGeom prst="rect">
+                <a:avLst/>
+              </a:prstGeom>
+              <a:blipFill>
+                <a:blip r:embed="rId13"/>
+                <a:stretch>
+                  <a:fillRect l="-46154" r="-30769" b="-27273"/>
+                </a:stretch>
+              </a:blipFill>
+            </p:spPr>
+            <p:txBody>
+              <a:bodyPr/>
+              <a:lstStyle/>
+              <a:p>
+                <a:r>
+                  <a:rPr lang="en-US">
+                    <a:noFill/>
+                  </a:rPr>
+                  <a:t> </a:t>
+                </a:r>
+              </a:p>
+            </p:txBody>
+          </p:sp>
+        </mc:Fallback>
+      </mc:AlternateContent>
+      <p:sp>
+        <p:nvSpPr>
+          <p:cNvPr id="41" name="Rectangle 40">
+            <a:extLst>
+              <a:ext uri="{FF2B5EF4-FFF2-40B4-BE49-F238E27FC236}">
+                <a16:creationId xmlns:a16="http://schemas.microsoft.com/office/drawing/2014/main" id="{FA28755F-9C41-7B40-9669-B112145FACED}"/>
+              </a:ext>
+            </a:extLst>
+          </p:cNvPr>
+          <p:cNvSpPr/>
+          <p:nvPr/>
+        </p:nvSpPr>
+        <p:spPr>
+          <a:xfrm>
+            <a:off x="4825713" y="1914323"/>
+            <a:ext cx="606066" cy="323734"/>
+          </a:xfrm>
+          <a:prstGeom prst="rect">
+            <a:avLst/>
+          </a:prstGeom>
+          <a:noFill/>
+          <a:ln>
+            <a:solidFill>
+              <a:schemeClr val="tx1"/>
+            </a:solidFill>
+          </a:ln>
+        </p:spPr>
+        <p:style>
+          <a:lnRef idx="2">
+            <a:schemeClr val="accent1">
+              <a:shade val="50000"/>
+            </a:schemeClr>
+          </a:lnRef>
+          <a:fillRef idx="1">
+            <a:schemeClr val="accent1"/>
+          </a:fillRef>
+          <a:effectRef idx="0">
+            <a:schemeClr val="accent1"/>
+          </a:effectRef>
+          <a:fontRef idx="minor">
+            <a:schemeClr val="lt1"/>
+          </a:fontRef>
+        </p:style>
+        <p:txBody>
+          <a:bodyPr rtlCol="0" anchor="ctr"/>
+          <a:lstStyle/>
+          <a:p>
+            <a:pPr algn="ctr"/>
+            <a:endParaRPr lang="en-US"/>
+          </a:p>
+        </p:txBody>
+      </p:sp>
+      <p:sp>
+        <p:nvSpPr>
+          <p:cNvPr id="42" name="Rectangle 41">
+            <a:extLst>
+              <a:ext uri="{FF2B5EF4-FFF2-40B4-BE49-F238E27FC236}">
+                <a16:creationId xmlns:a16="http://schemas.microsoft.com/office/drawing/2014/main" id="{CDC5E73C-1711-FF4B-BC22-BF2EC8F70C7B}"/>
+              </a:ext>
+            </a:extLst>
+          </p:cNvPr>
+          <p:cNvSpPr/>
+          <p:nvPr/>
+        </p:nvSpPr>
+        <p:spPr>
+          <a:xfrm>
+            <a:off x="6196267" y="1914672"/>
+            <a:ext cx="606066" cy="323734"/>
+          </a:xfrm>
+          <a:prstGeom prst="rect">
+            <a:avLst/>
+          </a:prstGeom>
+          <a:noFill/>
+          <a:ln>
+            <a:solidFill>
+              <a:schemeClr val="tx1"/>
+            </a:solidFill>
+          </a:ln>
+        </p:spPr>
+        <p:style>
+          <a:lnRef idx="2">
+            <a:schemeClr val="accent1">
+              <a:shade val="50000"/>
+            </a:schemeClr>
+          </a:lnRef>
+          <a:fillRef idx="1">
+            <a:schemeClr val="accent1"/>
+          </a:fillRef>
+          <a:effectRef idx="0">
+            <a:schemeClr val="accent1"/>
+          </a:effectRef>
+          <a:fontRef idx="minor">
+            <a:schemeClr val="lt1"/>
+          </a:fontRef>
+        </p:style>
+        <p:txBody>
+          <a:bodyPr rtlCol="0" anchor="ctr"/>
+          <a:lstStyle/>
+          <a:p>
+            <a:pPr algn="ctr"/>
+            <a:endParaRPr lang="en-US"/>
+          </a:p>
+        </p:txBody>
+      </p:sp>
+      <p:sp>
+        <p:nvSpPr>
+          <p:cNvPr id="43" name="Rectangle 42">
+            <a:extLst>
+              <a:ext uri="{FF2B5EF4-FFF2-40B4-BE49-F238E27FC236}">
+                <a16:creationId xmlns:a16="http://schemas.microsoft.com/office/drawing/2014/main" id="{02D2C108-A771-1D43-808A-A10CFDDE0A19}"/>
+              </a:ext>
+            </a:extLst>
+          </p:cNvPr>
+          <p:cNvSpPr/>
+          <p:nvPr/>
+        </p:nvSpPr>
+        <p:spPr>
+          <a:xfrm>
+            <a:off x="5711175" y="1916597"/>
+            <a:ext cx="214132" cy="323734"/>
+          </a:xfrm>
+          <a:prstGeom prst="rect">
+            <a:avLst/>
+          </a:prstGeom>
+          <a:noFill/>
+          <a:ln>
+            <a:solidFill>
+              <a:schemeClr val="tx1"/>
+            </a:solidFill>
+          </a:ln>
+        </p:spPr>
+        <p:style>
+          <a:lnRef idx="2">
+            <a:schemeClr val="accent1">
+              <a:shade val="50000"/>
+            </a:schemeClr>
+          </a:lnRef>
+          <a:fillRef idx="1">
+            <a:schemeClr val="accent1"/>
+          </a:fillRef>
+          <a:effectRef idx="0">
+            <a:schemeClr val="accent1"/>
+          </a:effectRef>
+          <a:fontRef idx="minor">
+            <a:schemeClr val="lt1"/>
+          </a:fontRef>
+        </p:style>
+        <p:txBody>
+          <a:bodyPr rtlCol="0" anchor="ctr"/>
+          <a:lstStyle/>
+          <a:p>
+            <a:pPr algn="ctr"/>
+            <a:endParaRPr lang="en-US"/>
+          </a:p>
+        </p:txBody>
+      </p:sp>
+      <p:sp>
+        <p:nvSpPr>
+          <p:cNvPr id="44" name="Freeform 43">
+            <a:extLst>
+              <a:ext uri="{FF2B5EF4-FFF2-40B4-BE49-F238E27FC236}">
+                <a16:creationId xmlns:a16="http://schemas.microsoft.com/office/drawing/2014/main" id="{38F3035C-811E-2347-9811-80DADA79402E}"/>
+              </a:ext>
+            </a:extLst>
+          </p:cNvPr>
+          <p:cNvSpPr/>
+          <p:nvPr/>
+        </p:nvSpPr>
+        <p:spPr>
+          <a:xfrm flipH="1">
+            <a:off x="5184298" y="1514838"/>
+            <a:ext cx="636412" cy="398595"/>
+          </a:xfrm>
+          <a:custGeom>
+            <a:avLst/>
+            <a:gdLst>
+              <a:gd name="connsiteX0" fmla="*/ 0 w 595901"/>
+              <a:gd name="connsiteY0" fmla="*/ 287906 h 329003"/>
+              <a:gd name="connsiteX1" fmla="*/ 287676 w 595901"/>
+              <a:gd name="connsiteY1" fmla="*/ 230 h 329003"/>
+              <a:gd name="connsiteX2" fmla="*/ 595901 w 595901"/>
+              <a:gd name="connsiteY2" fmla="*/ 329003 h 329003"/>
+              <a:gd name="connsiteX3" fmla="*/ 595901 w 595901"/>
+              <a:gd name="connsiteY3" fmla="*/ 329003 h 329003"/>
+              <a:gd name="connsiteX0" fmla="*/ 0 w 642199"/>
+              <a:gd name="connsiteY0" fmla="*/ 283083 h 329067"/>
+              <a:gd name="connsiteX1" fmla="*/ 333974 w 642199"/>
+              <a:gd name="connsiteY1" fmla="*/ 294 h 329067"/>
+              <a:gd name="connsiteX2" fmla="*/ 642199 w 642199"/>
+              <a:gd name="connsiteY2" fmla="*/ 329067 h 329067"/>
+              <a:gd name="connsiteX3" fmla="*/ 642199 w 642199"/>
+              <a:gd name="connsiteY3" fmla="*/ 329067 h 329067"/>
+              <a:gd name="connsiteX0" fmla="*/ 0 w 636412"/>
+              <a:gd name="connsiteY0" fmla="*/ 336542 h 336543"/>
+              <a:gd name="connsiteX1" fmla="*/ 328187 w 636412"/>
+              <a:gd name="connsiteY1" fmla="*/ 4 h 336543"/>
+              <a:gd name="connsiteX2" fmla="*/ 636412 w 636412"/>
+              <a:gd name="connsiteY2" fmla="*/ 328777 h 336543"/>
+              <a:gd name="connsiteX3" fmla="*/ 636412 w 636412"/>
+              <a:gd name="connsiteY3" fmla="*/ 328777 h 336543"/>
+            </a:gdLst>
+            <a:ahLst/>
+            <a:cxnLst>
+              <a:cxn ang="0">
+                <a:pos x="connsiteX0" y="connsiteY0"/>
+              </a:cxn>
+              <a:cxn ang="0">
+                <a:pos x="connsiteX1" y="connsiteY1"/>
+              </a:cxn>
+              <a:cxn ang="0">
+                <a:pos x="connsiteX2" y="connsiteY2"/>
+              </a:cxn>
+              <a:cxn ang="0">
+                <a:pos x="connsiteX3" y="connsiteY3"/>
+              </a:cxn>
+            </a:cxnLst>
+            <a:rect l="l" t="t" r="r" b="b"/>
+            <a:pathLst>
+              <a:path w="636412" h="336543">
+                <a:moveTo>
+                  <a:pt x="0" y="336542"/>
+                </a:moveTo>
+                <a:cubicBezTo>
+                  <a:pt x="94179" y="189279"/>
+                  <a:pt x="222118" y="1298"/>
+                  <a:pt x="328187" y="4"/>
+                </a:cubicBezTo>
+                <a:cubicBezTo>
+                  <a:pt x="434256" y="-1290"/>
+                  <a:pt x="636412" y="328777"/>
+                  <a:pt x="636412" y="328777"/>
+                </a:cubicBezTo>
+                <a:lnTo>
+                  <a:pt x="636412" y="328777"/>
+                </a:lnTo>
+              </a:path>
+            </a:pathLst>
+          </a:custGeom>
+          <a:noFill/>
+          <a:ln w="19050">
+            <a:solidFill>
+              <a:schemeClr val="tx1"/>
+            </a:solidFill>
+            <a:tailEnd type="triangle"/>
+          </a:ln>
+        </p:spPr>
+        <p:style>
+          <a:lnRef idx="2">
+            <a:schemeClr val="accent1">
+              <a:shade val="50000"/>
+            </a:schemeClr>
+          </a:lnRef>
+          <a:fillRef idx="1">
+            <a:schemeClr val="accent1"/>
+          </a:fillRef>
+          <a:effectRef idx="0">
+            <a:schemeClr val="accent1"/>
+          </a:effectRef>
+          <a:fontRef idx="minor">
+            <a:schemeClr val="lt1"/>
+          </a:fontRef>
+        </p:style>
+        <p:txBody>
+          <a:bodyPr rtlCol="0" anchor="ctr"/>
+          <a:lstStyle/>
+          <a:p>
+            <a:pPr algn="ctr"/>
+            <a:endParaRPr lang="en-US" dirty="0"/>
+          </a:p>
+        </p:txBody>
+      </p:sp>
     </p:spTree>
     <p:extLst>
       <p:ext uri="{BB962C8B-B14F-4D97-AF65-F5344CB8AC3E}">
